--- a/docs/source/_static/seedfarmer_diagrams.pptx
+++ b/docs/source/_static/seedfarmer_diagrams.pptx
@@ -6,8 +6,9 @@
   </p:sldMasterIdLst>
   <p:sldIdLst>
     <p:sldId id="493" r:id="rId2"/>
-    <p:sldId id="383" r:id="rId3"/>
-    <p:sldId id="492" r:id="rId4"/>
+    <p:sldId id="495" r:id="rId3"/>
+    <p:sldId id="383" r:id="rId4"/>
+    <p:sldId id="492" r:id="rId5"/>
   </p:sldIdLst>
   <p:sldSz cx="12192000" cy="6858000"/>
   <p:notesSz cx="6858000" cy="9144000"/>
@@ -261,7 +262,7 @@
           <a:p>
             <a:fld id="{998E45E6-B312-6A49-8978-08F051C8B1F2}" type="datetimeFigureOut">
               <a:rPr lang="en-US" smtClean="0"/>
-              <a:t>9/21/22</a:t>
+              <a:t>9/23/22</a:t>
             </a:fld>
             <a:endParaRPr lang="en-US"/>
           </a:p>
@@ -459,7 +460,7 @@
           <a:p>
             <a:fld id="{998E45E6-B312-6A49-8978-08F051C8B1F2}" type="datetimeFigureOut">
               <a:rPr lang="en-US" smtClean="0"/>
-              <a:t>9/21/22</a:t>
+              <a:t>9/23/22</a:t>
             </a:fld>
             <a:endParaRPr lang="en-US"/>
           </a:p>
@@ -667,7 +668,7 @@
           <a:p>
             <a:fld id="{998E45E6-B312-6A49-8978-08F051C8B1F2}" type="datetimeFigureOut">
               <a:rPr lang="en-US" smtClean="0"/>
-              <a:t>9/21/22</a:t>
+              <a:t>9/23/22</a:t>
             </a:fld>
             <a:endParaRPr lang="en-US"/>
           </a:p>
@@ -1106,7 +1107,7 @@
           <a:p>
             <a:fld id="{998E45E6-B312-6A49-8978-08F051C8B1F2}" type="datetimeFigureOut">
               <a:rPr lang="en-US" smtClean="0"/>
-              <a:t>9/21/22</a:t>
+              <a:t>9/23/22</a:t>
             </a:fld>
             <a:endParaRPr lang="en-US"/>
           </a:p>
@@ -1381,7 +1382,7 @@
           <a:p>
             <a:fld id="{998E45E6-B312-6A49-8978-08F051C8B1F2}" type="datetimeFigureOut">
               <a:rPr lang="en-US" smtClean="0"/>
-              <a:t>9/21/22</a:t>
+              <a:t>9/23/22</a:t>
             </a:fld>
             <a:endParaRPr lang="en-US"/>
           </a:p>
@@ -1646,7 +1647,7 @@
           <a:p>
             <a:fld id="{998E45E6-B312-6A49-8978-08F051C8B1F2}" type="datetimeFigureOut">
               <a:rPr lang="en-US" smtClean="0"/>
-              <a:t>9/21/22</a:t>
+              <a:t>9/23/22</a:t>
             </a:fld>
             <a:endParaRPr lang="en-US"/>
           </a:p>
@@ -2058,7 +2059,7 @@
           <a:p>
             <a:fld id="{998E45E6-B312-6A49-8978-08F051C8B1F2}" type="datetimeFigureOut">
               <a:rPr lang="en-US" smtClean="0"/>
-              <a:t>9/21/22</a:t>
+              <a:t>9/23/22</a:t>
             </a:fld>
             <a:endParaRPr lang="en-US"/>
           </a:p>
@@ -2199,7 +2200,7 @@
           <a:p>
             <a:fld id="{998E45E6-B312-6A49-8978-08F051C8B1F2}" type="datetimeFigureOut">
               <a:rPr lang="en-US" smtClean="0"/>
-              <a:t>9/21/22</a:t>
+              <a:t>9/23/22</a:t>
             </a:fld>
             <a:endParaRPr lang="en-US"/>
           </a:p>
@@ -2312,7 +2313,7 @@
           <a:p>
             <a:fld id="{998E45E6-B312-6A49-8978-08F051C8B1F2}" type="datetimeFigureOut">
               <a:rPr lang="en-US" smtClean="0"/>
-              <a:t>9/21/22</a:t>
+              <a:t>9/23/22</a:t>
             </a:fld>
             <a:endParaRPr lang="en-US"/>
           </a:p>
@@ -2623,7 +2624,7 @@
           <a:p>
             <a:fld id="{998E45E6-B312-6A49-8978-08F051C8B1F2}" type="datetimeFigureOut">
               <a:rPr lang="en-US" smtClean="0"/>
-              <a:t>9/21/22</a:t>
+              <a:t>9/23/22</a:t>
             </a:fld>
             <a:endParaRPr lang="en-US"/>
           </a:p>
@@ -2911,7 +2912,7 @@
           <a:p>
             <a:fld id="{998E45E6-B312-6A49-8978-08F051C8B1F2}" type="datetimeFigureOut">
               <a:rPr lang="en-US" smtClean="0"/>
-              <a:t>9/21/22</a:t>
+              <a:t>9/23/22</a:t>
             </a:fld>
             <a:endParaRPr lang="en-US"/>
           </a:p>
@@ -3152,7 +3153,7 @@
           <a:p>
             <a:fld id="{998E45E6-B312-6A49-8978-08F051C8B1F2}" type="datetimeFigureOut">
               <a:rPr lang="en-US" smtClean="0"/>
-              <a:t>9/21/22</a:t>
+              <a:t>9/23/22</a:t>
             </a:fld>
             <a:endParaRPr lang="en-US"/>
           </a:p>
@@ -8683,6 +8684,3807 @@
           <a:chExt cx="0" cy="0"/>
         </a:xfrm>
       </p:grpSpPr>
+      <p:pic>
+        <p:nvPicPr>
+          <p:cNvPr id="119" name="Graphic 24">
+            <a:extLst>
+              <a:ext uri="{FF2B5EF4-FFF2-40B4-BE49-F238E27FC236}">
+                <a16:creationId xmlns:a16="http://schemas.microsoft.com/office/drawing/2014/main" id="{D20AE9F6-99F5-4846-95C1-2DEDF1B44DC9}"/>
+              </a:ext>
+            </a:extLst>
+          </p:cNvPr>
+          <p:cNvPicPr>
+            <a:picLocks noChangeAspect="1" noChangeArrowheads="1"/>
+          </p:cNvPicPr>
+          <p:nvPr/>
+        </p:nvPicPr>
+        <p:blipFill>
+          <a:blip r:embed="rId2">
+            <a:extLst>
+              <a:ext uri="{28A0092B-C50C-407E-A947-70E740481C1C}">
+                <a14:useLocalDpi xmlns:a14="http://schemas.microsoft.com/office/drawing/2010/main" val="0"/>
+              </a:ext>
+            </a:extLst>
+          </a:blip>
+          <a:srcRect/>
+          <a:stretch>
+            <a:fillRect/>
+          </a:stretch>
+        </p:blipFill>
+        <p:spPr bwMode="auto">
+          <a:xfrm>
+            <a:off x="283418" y="3260064"/>
+            <a:ext cx="627799" cy="627799"/>
+          </a:xfrm>
+          <a:prstGeom prst="rect">
+            <a:avLst/>
+          </a:prstGeom>
+          <a:noFill/>
+          <a:ln>
+            <a:noFill/>
+          </a:ln>
+          <a:extLst>
+            <a:ext uri="{909E8E84-426E-40DD-AFC4-6F175D3DCCD1}">
+              <a14:hiddenFill xmlns:a14="http://schemas.microsoft.com/office/drawing/2010/main">
+                <a:solidFill>
+                  <a:srgbClr val="FFFFFF"/>
+                </a:solidFill>
+              </a14:hiddenFill>
+            </a:ext>
+            <a:ext uri="{91240B29-F687-4F45-9708-019B960494DF}">
+              <a14:hiddenLine xmlns:a14="http://schemas.microsoft.com/office/drawing/2010/main" w="9525">
+                <a:solidFill>
+                  <a:srgbClr val="000000"/>
+                </a:solidFill>
+                <a:miter lim="800000"/>
+                <a:headEnd/>
+                <a:tailEnd/>
+              </a14:hiddenLine>
+            </a:ext>
+          </a:extLst>
+        </p:spPr>
+      </p:pic>
+      <p:sp>
+        <p:nvSpPr>
+          <p:cNvPr id="120" name="Rectangle 119">
+            <a:extLst>
+              <a:ext uri="{FF2B5EF4-FFF2-40B4-BE49-F238E27FC236}">
+                <a16:creationId xmlns:a16="http://schemas.microsoft.com/office/drawing/2014/main" id="{849C6F78-520F-DE4A-ACB2-D3B41BF57C78}"/>
+              </a:ext>
+            </a:extLst>
+          </p:cNvPr>
+          <p:cNvSpPr/>
+          <p:nvPr/>
+        </p:nvSpPr>
+        <p:spPr>
+          <a:xfrm>
+            <a:off x="1366619" y="1562117"/>
+            <a:ext cx="3476008" cy="4005161"/>
+          </a:xfrm>
+          <a:prstGeom prst="rect">
+            <a:avLst/>
+          </a:prstGeom>
+          <a:noFill/>
+          <a:ln w="12700">
+            <a:solidFill>
+              <a:srgbClr val="1E8900"/>
+            </a:solidFill>
+          </a:ln>
+        </p:spPr>
+        <p:style>
+          <a:lnRef idx="2">
+            <a:schemeClr val="accent1">
+              <a:shade val="50000"/>
+            </a:schemeClr>
+          </a:lnRef>
+          <a:fillRef idx="1">
+            <a:schemeClr val="accent1"/>
+          </a:fillRef>
+          <a:effectRef idx="0">
+            <a:schemeClr val="accent1"/>
+          </a:effectRef>
+          <a:fontRef idx="minor">
+            <a:schemeClr val="lt1"/>
+          </a:fontRef>
+        </p:style>
+        <p:txBody>
+          <a:bodyPr lIns="502920" tIns="91440"/>
+          <a:lstStyle/>
+          <a:p>
+            <a:pPr eaLnBrk="1" fontAlgn="auto" hangingPunct="1">
+              <a:spcBef>
+                <a:spcPts val="0"/>
+              </a:spcBef>
+              <a:spcAft>
+                <a:spcPts val="0"/>
+              </a:spcAft>
+              <a:defRPr/>
+            </a:pPr>
+            <a:r>
+              <a:rPr lang="en-US" sz="2000" dirty="0">
+                <a:ln w="0"/>
+                <a:solidFill>
+                  <a:srgbClr val="1E8900"/>
+                </a:solidFill>
+                <a:latin typeface="Arial" panose="020B0604020202020204" pitchFamily="34" charset="0"/>
+                <a:cs typeface="Arial" panose="020B0604020202020204" pitchFamily="34" charset="0"/>
+              </a:rPr>
+              <a:t>Toolchain Account</a:t>
+            </a:r>
+          </a:p>
+        </p:txBody>
+      </p:sp>
+      <p:pic>
+        <p:nvPicPr>
+          <p:cNvPr id="121" name="Graphic 120">
+            <a:extLst>
+              <a:ext uri="{FF2B5EF4-FFF2-40B4-BE49-F238E27FC236}">
+                <a16:creationId xmlns:a16="http://schemas.microsoft.com/office/drawing/2014/main" id="{15079F33-C0BD-DA4E-980D-7BD9D8F0DB6C}"/>
+              </a:ext>
+            </a:extLst>
+          </p:cNvPr>
+          <p:cNvPicPr>
+            <a:picLocks noChangeAspect="1"/>
+          </p:cNvPicPr>
+          <p:nvPr/>
+        </p:nvPicPr>
+        <p:blipFill>
+          <a:blip r:embed="rId3">
+            <a:extLst>
+              <a:ext uri="{96DAC541-7B7A-43D3-8B79-37D633B846F1}">
+                <asvg:svgBlip xmlns:asvg="http://schemas.microsoft.com/office/drawing/2016/SVG/main" r:embed="rId4"/>
+              </a:ext>
+            </a:extLst>
+          </a:blip>
+          <a:stretch>
+            <a:fillRect/>
+          </a:stretch>
+        </p:blipFill>
+        <p:spPr>
+          <a:xfrm>
+            <a:off x="1365989" y="1562117"/>
+            <a:ext cx="381000" cy="381000"/>
+          </a:xfrm>
+          <a:prstGeom prst="rect">
+            <a:avLst/>
+          </a:prstGeom>
+        </p:spPr>
+      </p:pic>
+      <p:sp>
+        <p:nvSpPr>
+          <p:cNvPr id="122" name="Rectangle 121">
+            <a:extLst>
+              <a:ext uri="{FF2B5EF4-FFF2-40B4-BE49-F238E27FC236}">
+                <a16:creationId xmlns:a16="http://schemas.microsoft.com/office/drawing/2014/main" id="{C7C8FD84-26A3-944E-852E-5E2C62D8070A}"/>
+              </a:ext>
+            </a:extLst>
+          </p:cNvPr>
+          <p:cNvSpPr/>
+          <p:nvPr/>
+        </p:nvSpPr>
+        <p:spPr>
+          <a:xfrm>
+            <a:off x="4980562" y="790576"/>
+            <a:ext cx="6928019" cy="2779476"/>
+          </a:xfrm>
+          <a:prstGeom prst="rect">
+            <a:avLst/>
+          </a:prstGeom>
+          <a:noFill/>
+          <a:ln w="12700">
+            <a:solidFill>
+              <a:srgbClr val="1E8900"/>
+            </a:solidFill>
+          </a:ln>
+        </p:spPr>
+        <p:style>
+          <a:lnRef idx="2">
+            <a:schemeClr val="accent1">
+              <a:shade val="50000"/>
+            </a:schemeClr>
+          </a:lnRef>
+          <a:fillRef idx="1">
+            <a:schemeClr val="accent1"/>
+          </a:fillRef>
+          <a:effectRef idx="0">
+            <a:schemeClr val="accent1"/>
+          </a:effectRef>
+          <a:fontRef idx="minor">
+            <a:schemeClr val="lt1"/>
+          </a:fontRef>
+        </p:style>
+        <p:txBody>
+          <a:bodyPr lIns="502920" tIns="91440"/>
+          <a:lstStyle/>
+          <a:p>
+            <a:pPr eaLnBrk="1" fontAlgn="auto" hangingPunct="1">
+              <a:spcBef>
+                <a:spcPts val="0"/>
+              </a:spcBef>
+              <a:spcAft>
+                <a:spcPts val="0"/>
+              </a:spcAft>
+              <a:defRPr/>
+            </a:pPr>
+            <a:r>
+              <a:rPr lang="en-US" sz="2000" dirty="0">
+                <a:ln w="0"/>
+                <a:solidFill>
+                  <a:srgbClr val="1E8900"/>
+                </a:solidFill>
+                <a:latin typeface="Arial" panose="020B0604020202020204" pitchFamily="34" charset="0"/>
+                <a:cs typeface="Arial" panose="020B0604020202020204" pitchFamily="34" charset="0"/>
+              </a:rPr>
+              <a:t>Target Account</a:t>
+            </a:r>
+          </a:p>
+        </p:txBody>
+      </p:sp>
+      <p:pic>
+        <p:nvPicPr>
+          <p:cNvPr id="123" name="Graphic 122">
+            <a:extLst>
+              <a:ext uri="{FF2B5EF4-FFF2-40B4-BE49-F238E27FC236}">
+                <a16:creationId xmlns:a16="http://schemas.microsoft.com/office/drawing/2014/main" id="{03DBDB92-D1D4-8F4A-B9B5-3A4EA8C181F7}"/>
+              </a:ext>
+            </a:extLst>
+          </p:cNvPr>
+          <p:cNvPicPr>
+            <a:picLocks noChangeAspect="1"/>
+          </p:cNvPicPr>
+          <p:nvPr/>
+        </p:nvPicPr>
+        <p:blipFill>
+          <a:blip r:embed="rId3">
+            <a:extLst>
+              <a:ext uri="{96DAC541-7B7A-43D3-8B79-37D633B846F1}">
+                <asvg:svgBlip xmlns:asvg="http://schemas.microsoft.com/office/drawing/2016/SVG/main" r:embed="rId4"/>
+              </a:ext>
+            </a:extLst>
+          </a:blip>
+          <a:stretch>
+            <a:fillRect/>
+          </a:stretch>
+        </p:blipFill>
+        <p:spPr>
+          <a:xfrm>
+            <a:off x="4980563" y="804011"/>
+            <a:ext cx="381000" cy="381000"/>
+          </a:xfrm>
+          <a:prstGeom prst="rect">
+            <a:avLst/>
+          </a:prstGeom>
+        </p:spPr>
+      </p:pic>
+      <p:pic>
+        <p:nvPicPr>
+          <p:cNvPr id="124" name="Graphic 19">
+            <a:extLst>
+              <a:ext uri="{FF2B5EF4-FFF2-40B4-BE49-F238E27FC236}">
+                <a16:creationId xmlns:a16="http://schemas.microsoft.com/office/drawing/2014/main" id="{63728260-B129-7C48-A813-99B208074BA4}"/>
+              </a:ext>
+            </a:extLst>
+          </p:cNvPr>
+          <p:cNvPicPr>
+            <a:picLocks noChangeAspect="1" noChangeArrowheads="1"/>
+          </p:cNvPicPr>
+          <p:nvPr/>
+        </p:nvPicPr>
+        <p:blipFill>
+          <a:blip r:embed="rId5">
+            <a:extLst>
+              <a:ext uri="{28A0092B-C50C-407E-A947-70E740481C1C}">
+                <a14:useLocalDpi xmlns:a14="http://schemas.microsoft.com/office/drawing/2010/main" val="0"/>
+              </a:ext>
+            </a:extLst>
+          </a:blip>
+          <a:srcRect/>
+          <a:stretch>
+            <a:fillRect/>
+          </a:stretch>
+        </p:blipFill>
+        <p:spPr bwMode="auto">
+          <a:xfrm>
+            <a:off x="7313254" y="1945364"/>
+            <a:ext cx="620405" cy="620405"/>
+          </a:xfrm>
+          <a:prstGeom prst="rect">
+            <a:avLst/>
+          </a:prstGeom>
+          <a:noFill/>
+          <a:ln>
+            <a:noFill/>
+          </a:ln>
+          <a:extLst>
+            <a:ext uri="{909E8E84-426E-40DD-AFC4-6F175D3DCCD1}">
+              <a14:hiddenFill xmlns:a14="http://schemas.microsoft.com/office/drawing/2010/main">
+                <a:solidFill>
+                  <a:srgbClr val="FFFFFF"/>
+                </a:solidFill>
+              </a14:hiddenFill>
+            </a:ext>
+            <a:ext uri="{91240B29-F687-4F45-9708-019B960494DF}">
+              <a14:hiddenLine xmlns:a14="http://schemas.microsoft.com/office/drawing/2010/main" w="9525">
+                <a:solidFill>
+                  <a:srgbClr val="000000"/>
+                </a:solidFill>
+                <a:miter lim="800000"/>
+                <a:headEnd/>
+                <a:tailEnd/>
+              </a14:hiddenLine>
+            </a:ext>
+          </a:extLst>
+        </p:spPr>
+      </p:pic>
+      <p:pic>
+        <p:nvPicPr>
+          <p:cNvPr id="125" name="Graphic 26">
+            <a:extLst>
+              <a:ext uri="{FF2B5EF4-FFF2-40B4-BE49-F238E27FC236}">
+                <a16:creationId xmlns:a16="http://schemas.microsoft.com/office/drawing/2014/main" id="{1A507DAF-E1B7-8945-8B23-2E70472D84D8}"/>
+              </a:ext>
+            </a:extLst>
+          </p:cNvPr>
+          <p:cNvPicPr>
+            <a:picLocks noChangeAspect="1" noChangeArrowheads="1"/>
+          </p:cNvPicPr>
+          <p:nvPr/>
+        </p:nvPicPr>
+        <p:blipFill>
+          <a:blip r:embed="rId6">
+            <a:extLst>
+              <a:ext uri="{28A0092B-C50C-407E-A947-70E740481C1C}">
+                <a14:useLocalDpi xmlns:a14="http://schemas.microsoft.com/office/drawing/2010/main" val="0"/>
+              </a:ext>
+            </a:extLst>
+          </a:blip>
+          <a:srcRect/>
+          <a:stretch>
+            <a:fillRect/>
+          </a:stretch>
+        </p:blipFill>
+        <p:spPr bwMode="auto">
+          <a:xfrm>
+            <a:off x="2638152" y="2293726"/>
+            <a:ext cx="457200" cy="457200"/>
+          </a:xfrm>
+          <a:prstGeom prst="rect">
+            <a:avLst/>
+          </a:prstGeom>
+          <a:noFill/>
+          <a:ln>
+            <a:noFill/>
+          </a:ln>
+          <a:extLst>
+            <a:ext uri="{909E8E84-426E-40DD-AFC4-6F175D3DCCD1}">
+              <a14:hiddenFill xmlns:a14="http://schemas.microsoft.com/office/drawing/2010/main">
+                <a:solidFill>
+                  <a:srgbClr val="FFFFFF"/>
+                </a:solidFill>
+              </a14:hiddenFill>
+            </a:ext>
+            <a:ext uri="{91240B29-F687-4F45-9708-019B960494DF}">
+              <a14:hiddenLine xmlns:a14="http://schemas.microsoft.com/office/drawing/2010/main" w="9525">
+                <a:solidFill>
+                  <a:srgbClr val="000000"/>
+                </a:solidFill>
+                <a:miter lim="800000"/>
+                <a:headEnd/>
+                <a:tailEnd/>
+              </a14:hiddenLine>
+            </a:ext>
+          </a:extLst>
+        </p:spPr>
+      </p:pic>
+      <p:pic>
+        <p:nvPicPr>
+          <p:cNvPr id="126" name="Graphic 26">
+            <a:extLst>
+              <a:ext uri="{FF2B5EF4-FFF2-40B4-BE49-F238E27FC236}">
+                <a16:creationId xmlns:a16="http://schemas.microsoft.com/office/drawing/2014/main" id="{29B5F649-D70D-3B4B-AB8A-967FD26B2C9E}"/>
+              </a:ext>
+            </a:extLst>
+          </p:cNvPr>
+          <p:cNvPicPr>
+            <a:picLocks noChangeAspect="1" noChangeArrowheads="1"/>
+          </p:cNvPicPr>
+          <p:nvPr/>
+        </p:nvPicPr>
+        <p:blipFill>
+          <a:blip r:embed="rId6">
+            <a:extLst>
+              <a:ext uri="{28A0092B-C50C-407E-A947-70E740481C1C}">
+                <a14:useLocalDpi xmlns:a14="http://schemas.microsoft.com/office/drawing/2010/main" val="0"/>
+              </a:ext>
+            </a:extLst>
+          </a:blip>
+          <a:srcRect/>
+          <a:stretch>
+            <a:fillRect/>
+          </a:stretch>
+        </p:blipFill>
+        <p:spPr bwMode="auto">
+          <a:xfrm>
+            <a:off x="8925342" y="956411"/>
+            <a:ext cx="457200" cy="457200"/>
+          </a:xfrm>
+          <a:prstGeom prst="rect">
+            <a:avLst/>
+          </a:prstGeom>
+          <a:noFill/>
+          <a:ln>
+            <a:noFill/>
+          </a:ln>
+          <a:extLst>
+            <a:ext uri="{909E8E84-426E-40DD-AFC4-6F175D3DCCD1}">
+              <a14:hiddenFill xmlns:a14="http://schemas.microsoft.com/office/drawing/2010/main">
+                <a:solidFill>
+                  <a:srgbClr val="FFFFFF"/>
+                </a:solidFill>
+              </a14:hiddenFill>
+            </a:ext>
+            <a:ext uri="{91240B29-F687-4F45-9708-019B960494DF}">
+              <a14:hiddenLine xmlns:a14="http://schemas.microsoft.com/office/drawing/2010/main" w="9525">
+                <a:solidFill>
+                  <a:srgbClr val="000000"/>
+                </a:solidFill>
+                <a:miter lim="800000"/>
+                <a:headEnd/>
+                <a:tailEnd/>
+              </a14:hiddenLine>
+            </a:ext>
+          </a:extLst>
+        </p:spPr>
+      </p:pic>
+      <p:pic>
+        <p:nvPicPr>
+          <p:cNvPr id="127" name="Graphic 49">
+            <a:extLst>
+              <a:ext uri="{FF2B5EF4-FFF2-40B4-BE49-F238E27FC236}">
+                <a16:creationId xmlns:a16="http://schemas.microsoft.com/office/drawing/2014/main" id="{998D8D9A-BC76-E54F-83C1-F6C8179D127E}"/>
+              </a:ext>
+            </a:extLst>
+          </p:cNvPr>
+          <p:cNvPicPr>
+            <a:picLocks noChangeAspect="1" noChangeArrowheads="1"/>
+          </p:cNvPicPr>
+          <p:nvPr/>
+        </p:nvPicPr>
+        <p:blipFill>
+          <a:blip r:embed="rId7">
+            <a:extLst>
+              <a:ext uri="{28A0092B-C50C-407E-A947-70E740481C1C}">
+                <a14:useLocalDpi xmlns:a14="http://schemas.microsoft.com/office/drawing/2010/main" val="0"/>
+              </a:ext>
+            </a:extLst>
+          </a:blip>
+          <a:srcRect/>
+          <a:stretch>
+            <a:fillRect/>
+          </a:stretch>
+        </p:blipFill>
+        <p:spPr bwMode="auto">
+          <a:xfrm>
+            <a:off x="5441921" y="1945364"/>
+            <a:ext cx="620405" cy="620405"/>
+          </a:xfrm>
+          <a:prstGeom prst="rect">
+            <a:avLst/>
+          </a:prstGeom>
+          <a:noFill/>
+          <a:ln>
+            <a:noFill/>
+          </a:ln>
+          <a:extLst>
+            <a:ext uri="{909E8E84-426E-40DD-AFC4-6F175D3DCCD1}">
+              <a14:hiddenFill xmlns:a14="http://schemas.microsoft.com/office/drawing/2010/main">
+                <a:solidFill>
+                  <a:srgbClr val="FFFFFF"/>
+                </a:solidFill>
+              </a14:hiddenFill>
+            </a:ext>
+            <a:ext uri="{91240B29-F687-4F45-9708-019B960494DF}">
+              <a14:hiddenLine xmlns:a14="http://schemas.microsoft.com/office/drawing/2010/main" w="9525">
+                <a:solidFill>
+                  <a:srgbClr val="000000"/>
+                </a:solidFill>
+                <a:miter lim="800000"/>
+                <a:headEnd/>
+                <a:tailEnd/>
+              </a14:hiddenLine>
+            </a:ext>
+          </a:extLst>
+        </p:spPr>
+      </p:pic>
+      <p:sp>
+        <p:nvSpPr>
+          <p:cNvPr id="128" name="TextBox 29">
+            <a:extLst>
+              <a:ext uri="{FF2B5EF4-FFF2-40B4-BE49-F238E27FC236}">
+                <a16:creationId xmlns:a16="http://schemas.microsoft.com/office/drawing/2014/main" id="{896CBA50-973B-8441-B8D9-4B5E5CC8D6BE}"/>
+              </a:ext>
+            </a:extLst>
+          </p:cNvPr>
+          <p:cNvSpPr txBox="1">
+            <a:spLocks noChangeArrowheads="1"/>
+          </p:cNvSpPr>
+          <p:nvPr/>
+        </p:nvSpPr>
+        <p:spPr bwMode="auto">
+          <a:xfrm>
+            <a:off x="1807110" y="3783909"/>
+            <a:ext cx="1685925" cy="646331"/>
+          </a:xfrm>
+          <a:prstGeom prst="rect">
+            <a:avLst/>
+          </a:prstGeom>
+          <a:noFill/>
+          <a:ln>
+            <a:noFill/>
+          </a:ln>
+          <a:extLst>
+            <a:ext uri="{909E8E84-426E-40DD-AFC4-6F175D3DCCD1}">
+              <a14:hiddenFill xmlns:a14="http://schemas.microsoft.com/office/drawing/2010/main">
+                <a:solidFill>
+                  <a:srgbClr val="FFFFFF"/>
+                </a:solidFill>
+              </a14:hiddenFill>
+            </a:ext>
+            <a:ext uri="{91240B29-F687-4F45-9708-019B960494DF}">
+              <a14:hiddenLine xmlns:a14="http://schemas.microsoft.com/office/drawing/2010/main" w="9525">
+                <a:solidFill>
+                  <a:srgbClr val="000000"/>
+                </a:solidFill>
+                <a:miter lim="800000"/>
+                <a:headEnd/>
+                <a:tailEnd/>
+              </a14:hiddenLine>
+            </a:ext>
+          </a:extLst>
+        </p:spPr>
+        <p:txBody>
+          <a:bodyPr>
+            <a:spAutoFit/>
+          </a:bodyPr>
+          <a:lstStyle>
+            <a:lvl1pPr>
+              <a:defRPr>
+                <a:solidFill>
+                  <a:schemeClr val="tx1"/>
+                </a:solidFill>
+                <a:latin typeface="Calibri" panose="020F0502020204030204" pitchFamily="34" charset="0"/>
+              </a:defRPr>
+            </a:lvl1pPr>
+            <a:lvl2pPr marL="742950" indent="-285750">
+              <a:defRPr>
+                <a:solidFill>
+                  <a:schemeClr val="tx1"/>
+                </a:solidFill>
+                <a:latin typeface="Calibri" panose="020F0502020204030204" pitchFamily="34" charset="0"/>
+              </a:defRPr>
+            </a:lvl2pPr>
+            <a:lvl3pPr marL="1143000" indent="-228600">
+              <a:defRPr>
+                <a:solidFill>
+                  <a:schemeClr val="tx1"/>
+                </a:solidFill>
+                <a:latin typeface="Calibri" panose="020F0502020204030204" pitchFamily="34" charset="0"/>
+              </a:defRPr>
+            </a:lvl3pPr>
+            <a:lvl4pPr marL="1600200" indent="-228600">
+              <a:defRPr>
+                <a:solidFill>
+                  <a:schemeClr val="tx1"/>
+                </a:solidFill>
+                <a:latin typeface="Calibri" panose="020F0502020204030204" pitchFamily="34" charset="0"/>
+              </a:defRPr>
+            </a:lvl4pPr>
+            <a:lvl5pPr marL="2057400" indent="-228600">
+              <a:defRPr>
+                <a:solidFill>
+                  <a:schemeClr val="tx1"/>
+                </a:solidFill>
+                <a:latin typeface="Calibri" panose="020F0502020204030204" pitchFamily="34" charset="0"/>
+              </a:defRPr>
+            </a:lvl5pPr>
+            <a:lvl6pPr marL="2514600" indent="-228600" eaLnBrk="0" fontAlgn="base" hangingPunct="0">
+              <a:spcBef>
+                <a:spcPct val="0"/>
+              </a:spcBef>
+              <a:spcAft>
+                <a:spcPct val="0"/>
+              </a:spcAft>
+              <a:defRPr>
+                <a:solidFill>
+                  <a:schemeClr val="tx1"/>
+                </a:solidFill>
+                <a:latin typeface="Calibri" panose="020F0502020204030204" pitchFamily="34" charset="0"/>
+              </a:defRPr>
+            </a:lvl6pPr>
+            <a:lvl7pPr marL="2971800" indent="-228600" eaLnBrk="0" fontAlgn="base" hangingPunct="0">
+              <a:spcBef>
+                <a:spcPct val="0"/>
+              </a:spcBef>
+              <a:spcAft>
+                <a:spcPct val="0"/>
+              </a:spcAft>
+              <a:defRPr>
+                <a:solidFill>
+                  <a:schemeClr val="tx1"/>
+                </a:solidFill>
+                <a:latin typeface="Calibri" panose="020F0502020204030204" pitchFamily="34" charset="0"/>
+              </a:defRPr>
+            </a:lvl7pPr>
+            <a:lvl8pPr marL="3429000" indent="-228600" eaLnBrk="0" fontAlgn="base" hangingPunct="0">
+              <a:spcBef>
+                <a:spcPct val="0"/>
+              </a:spcBef>
+              <a:spcAft>
+                <a:spcPct val="0"/>
+              </a:spcAft>
+              <a:defRPr>
+                <a:solidFill>
+                  <a:schemeClr val="tx1"/>
+                </a:solidFill>
+                <a:latin typeface="Calibri" panose="020F0502020204030204" pitchFamily="34" charset="0"/>
+              </a:defRPr>
+            </a:lvl8pPr>
+            <a:lvl9pPr marL="3886200" indent="-228600" eaLnBrk="0" fontAlgn="base" hangingPunct="0">
+              <a:spcBef>
+                <a:spcPct val="0"/>
+              </a:spcBef>
+              <a:spcAft>
+                <a:spcPct val="0"/>
+              </a:spcAft>
+              <a:defRPr>
+                <a:solidFill>
+                  <a:schemeClr val="tx1"/>
+                </a:solidFill>
+                <a:latin typeface="Calibri" panose="020F0502020204030204" pitchFamily="34" charset="0"/>
+              </a:defRPr>
+            </a:lvl9pPr>
+          </a:lstStyle>
+          <a:p>
+            <a:pPr algn="ctr" eaLnBrk="1" hangingPunct="1"/>
+            <a:r>
+              <a:rPr lang="en-US" altLang="en-US" dirty="0">
+                <a:latin typeface="Arial" panose="020B0604020202020204" pitchFamily="34" charset="0"/>
+                <a:ea typeface="Amazon Ember" panose="020B0603020204020204" pitchFamily="34" charset="0"/>
+                <a:cs typeface="Arial" panose="020B0604020202020204" pitchFamily="34" charset="0"/>
+              </a:rPr>
+              <a:t>Toolchain </a:t>
+            </a:r>
+          </a:p>
+          <a:p>
+            <a:pPr algn="ctr" eaLnBrk="1" hangingPunct="1"/>
+            <a:r>
+              <a:rPr lang="en-US" altLang="en-US" dirty="0">
+                <a:latin typeface="Arial" panose="020B0604020202020204" pitchFamily="34" charset="0"/>
+                <a:ea typeface="Amazon Ember" panose="020B0603020204020204" pitchFamily="34" charset="0"/>
+                <a:cs typeface="Arial" panose="020B0604020202020204" pitchFamily="34" charset="0"/>
+              </a:rPr>
+              <a:t>Role</a:t>
+            </a:r>
+          </a:p>
+        </p:txBody>
+      </p:sp>
+      <p:sp>
+        <p:nvSpPr>
+          <p:cNvPr id="129" name="TextBox 29">
+            <a:extLst>
+              <a:ext uri="{FF2B5EF4-FFF2-40B4-BE49-F238E27FC236}">
+                <a16:creationId xmlns:a16="http://schemas.microsoft.com/office/drawing/2014/main" id="{A5199EE0-E33A-A645-91A7-F9C959F1403D}"/>
+              </a:ext>
+            </a:extLst>
+          </p:cNvPr>
+          <p:cNvSpPr txBox="1">
+            <a:spLocks noChangeArrowheads="1"/>
+          </p:cNvSpPr>
+          <p:nvPr/>
+        </p:nvSpPr>
+        <p:spPr bwMode="auto">
+          <a:xfrm>
+            <a:off x="4938802" y="2409874"/>
+            <a:ext cx="1685925" cy="646331"/>
+          </a:xfrm>
+          <a:prstGeom prst="rect">
+            <a:avLst/>
+          </a:prstGeom>
+          <a:noFill/>
+          <a:ln>
+            <a:noFill/>
+          </a:ln>
+          <a:extLst>
+            <a:ext uri="{909E8E84-426E-40DD-AFC4-6F175D3DCCD1}">
+              <a14:hiddenFill xmlns:a14="http://schemas.microsoft.com/office/drawing/2010/main">
+                <a:solidFill>
+                  <a:srgbClr val="FFFFFF"/>
+                </a:solidFill>
+              </a14:hiddenFill>
+            </a:ext>
+            <a:ext uri="{91240B29-F687-4F45-9708-019B960494DF}">
+              <a14:hiddenLine xmlns:a14="http://schemas.microsoft.com/office/drawing/2010/main" w="9525">
+                <a:solidFill>
+                  <a:srgbClr val="000000"/>
+                </a:solidFill>
+                <a:miter lim="800000"/>
+                <a:headEnd/>
+                <a:tailEnd/>
+              </a14:hiddenLine>
+            </a:ext>
+          </a:extLst>
+        </p:spPr>
+        <p:txBody>
+          <a:bodyPr>
+            <a:spAutoFit/>
+          </a:bodyPr>
+          <a:lstStyle>
+            <a:lvl1pPr>
+              <a:defRPr>
+                <a:solidFill>
+                  <a:schemeClr val="tx1"/>
+                </a:solidFill>
+                <a:latin typeface="Calibri" panose="020F0502020204030204" pitchFamily="34" charset="0"/>
+              </a:defRPr>
+            </a:lvl1pPr>
+            <a:lvl2pPr marL="742950" indent="-285750">
+              <a:defRPr>
+                <a:solidFill>
+                  <a:schemeClr val="tx1"/>
+                </a:solidFill>
+                <a:latin typeface="Calibri" panose="020F0502020204030204" pitchFamily="34" charset="0"/>
+              </a:defRPr>
+            </a:lvl2pPr>
+            <a:lvl3pPr marL="1143000" indent="-228600">
+              <a:defRPr>
+                <a:solidFill>
+                  <a:schemeClr val="tx1"/>
+                </a:solidFill>
+                <a:latin typeface="Calibri" panose="020F0502020204030204" pitchFamily="34" charset="0"/>
+              </a:defRPr>
+            </a:lvl3pPr>
+            <a:lvl4pPr marL="1600200" indent="-228600">
+              <a:defRPr>
+                <a:solidFill>
+                  <a:schemeClr val="tx1"/>
+                </a:solidFill>
+                <a:latin typeface="Calibri" panose="020F0502020204030204" pitchFamily="34" charset="0"/>
+              </a:defRPr>
+            </a:lvl4pPr>
+            <a:lvl5pPr marL="2057400" indent="-228600">
+              <a:defRPr>
+                <a:solidFill>
+                  <a:schemeClr val="tx1"/>
+                </a:solidFill>
+                <a:latin typeface="Calibri" panose="020F0502020204030204" pitchFamily="34" charset="0"/>
+              </a:defRPr>
+            </a:lvl5pPr>
+            <a:lvl6pPr marL="2514600" indent="-228600" eaLnBrk="0" fontAlgn="base" hangingPunct="0">
+              <a:spcBef>
+                <a:spcPct val="0"/>
+              </a:spcBef>
+              <a:spcAft>
+                <a:spcPct val="0"/>
+              </a:spcAft>
+              <a:defRPr>
+                <a:solidFill>
+                  <a:schemeClr val="tx1"/>
+                </a:solidFill>
+                <a:latin typeface="Calibri" panose="020F0502020204030204" pitchFamily="34" charset="0"/>
+              </a:defRPr>
+            </a:lvl6pPr>
+            <a:lvl7pPr marL="2971800" indent="-228600" eaLnBrk="0" fontAlgn="base" hangingPunct="0">
+              <a:spcBef>
+                <a:spcPct val="0"/>
+              </a:spcBef>
+              <a:spcAft>
+                <a:spcPct val="0"/>
+              </a:spcAft>
+              <a:defRPr>
+                <a:solidFill>
+                  <a:schemeClr val="tx1"/>
+                </a:solidFill>
+                <a:latin typeface="Calibri" panose="020F0502020204030204" pitchFamily="34" charset="0"/>
+              </a:defRPr>
+            </a:lvl7pPr>
+            <a:lvl8pPr marL="3429000" indent="-228600" eaLnBrk="0" fontAlgn="base" hangingPunct="0">
+              <a:spcBef>
+                <a:spcPct val="0"/>
+              </a:spcBef>
+              <a:spcAft>
+                <a:spcPct val="0"/>
+              </a:spcAft>
+              <a:defRPr>
+                <a:solidFill>
+                  <a:schemeClr val="tx1"/>
+                </a:solidFill>
+                <a:latin typeface="Calibri" panose="020F0502020204030204" pitchFamily="34" charset="0"/>
+              </a:defRPr>
+            </a:lvl8pPr>
+            <a:lvl9pPr marL="3886200" indent="-228600" eaLnBrk="0" fontAlgn="base" hangingPunct="0">
+              <a:spcBef>
+                <a:spcPct val="0"/>
+              </a:spcBef>
+              <a:spcAft>
+                <a:spcPct val="0"/>
+              </a:spcAft>
+              <a:defRPr>
+                <a:solidFill>
+                  <a:schemeClr val="tx1"/>
+                </a:solidFill>
+                <a:latin typeface="Calibri" panose="020F0502020204030204" pitchFamily="34" charset="0"/>
+              </a:defRPr>
+            </a:lvl9pPr>
+          </a:lstStyle>
+          <a:p>
+            <a:pPr algn="ctr" eaLnBrk="1" hangingPunct="1"/>
+            <a:r>
+              <a:rPr lang="en-US" altLang="en-US" dirty="0">
+                <a:latin typeface="Arial" panose="020B0604020202020204" pitchFamily="34" charset="0"/>
+                <a:ea typeface="Amazon Ember" panose="020B0603020204020204" pitchFamily="34" charset="0"/>
+                <a:cs typeface="Arial" panose="020B0604020202020204" pitchFamily="34" charset="0"/>
+              </a:rPr>
+              <a:t>Deployment </a:t>
+            </a:r>
+          </a:p>
+          <a:p>
+            <a:pPr algn="ctr" eaLnBrk="1" hangingPunct="1"/>
+            <a:r>
+              <a:rPr lang="en-US" altLang="en-US" dirty="0">
+                <a:latin typeface="Arial" panose="020B0604020202020204" pitchFamily="34" charset="0"/>
+                <a:ea typeface="Amazon Ember" panose="020B0603020204020204" pitchFamily="34" charset="0"/>
+                <a:cs typeface="Arial" panose="020B0604020202020204" pitchFamily="34" charset="0"/>
+              </a:rPr>
+              <a:t>Role</a:t>
+            </a:r>
+          </a:p>
+        </p:txBody>
+      </p:sp>
+      <p:sp>
+        <p:nvSpPr>
+          <p:cNvPr id="130" name="TextBox 29">
+            <a:extLst>
+              <a:ext uri="{FF2B5EF4-FFF2-40B4-BE49-F238E27FC236}">
+                <a16:creationId xmlns:a16="http://schemas.microsoft.com/office/drawing/2014/main" id="{65F3F0F8-DEF7-7546-AE31-CE6BC766E46F}"/>
+              </a:ext>
+            </a:extLst>
+          </p:cNvPr>
+          <p:cNvSpPr txBox="1">
+            <a:spLocks noChangeArrowheads="1"/>
+          </p:cNvSpPr>
+          <p:nvPr/>
+        </p:nvSpPr>
+        <p:spPr bwMode="auto">
+          <a:xfrm>
+            <a:off x="7369321" y="2364437"/>
+            <a:ext cx="3696511" cy="923330"/>
+          </a:xfrm>
+          <a:prstGeom prst="rect">
+            <a:avLst/>
+          </a:prstGeom>
+          <a:noFill/>
+          <a:ln>
+            <a:noFill/>
+          </a:ln>
+          <a:extLst>
+            <a:ext uri="{909E8E84-426E-40DD-AFC4-6F175D3DCCD1}">
+              <a14:hiddenFill xmlns:a14="http://schemas.microsoft.com/office/drawing/2010/main">
+                <a:solidFill>
+                  <a:srgbClr val="FFFFFF"/>
+                </a:solidFill>
+              </a14:hiddenFill>
+            </a:ext>
+            <a:ext uri="{91240B29-F687-4F45-9708-019B960494DF}">
+              <a14:hiddenLine xmlns:a14="http://schemas.microsoft.com/office/drawing/2010/main" w="9525">
+                <a:solidFill>
+                  <a:srgbClr val="000000"/>
+                </a:solidFill>
+                <a:miter lim="800000"/>
+                <a:headEnd/>
+                <a:tailEnd/>
+              </a14:hiddenLine>
+            </a:ext>
+          </a:extLst>
+        </p:spPr>
+        <p:txBody>
+          <a:bodyPr wrap="square">
+            <a:spAutoFit/>
+          </a:bodyPr>
+          <a:lstStyle>
+            <a:lvl1pPr>
+              <a:defRPr>
+                <a:solidFill>
+                  <a:schemeClr val="tx1"/>
+                </a:solidFill>
+                <a:latin typeface="Calibri" panose="020F0502020204030204" pitchFamily="34" charset="0"/>
+              </a:defRPr>
+            </a:lvl1pPr>
+            <a:lvl2pPr marL="742950" indent="-285750">
+              <a:defRPr>
+                <a:solidFill>
+                  <a:schemeClr val="tx1"/>
+                </a:solidFill>
+                <a:latin typeface="Calibri" panose="020F0502020204030204" pitchFamily="34" charset="0"/>
+              </a:defRPr>
+            </a:lvl2pPr>
+            <a:lvl3pPr marL="1143000" indent="-228600">
+              <a:defRPr>
+                <a:solidFill>
+                  <a:schemeClr val="tx1"/>
+                </a:solidFill>
+                <a:latin typeface="Calibri" panose="020F0502020204030204" pitchFamily="34" charset="0"/>
+              </a:defRPr>
+            </a:lvl3pPr>
+            <a:lvl4pPr marL="1600200" indent="-228600">
+              <a:defRPr>
+                <a:solidFill>
+                  <a:schemeClr val="tx1"/>
+                </a:solidFill>
+                <a:latin typeface="Calibri" panose="020F0502020204030204" pitchFamily="34" charset="0"/>
+              </a:defRPr>
+            </a:lvl4pPr>
+            <a:lvl5pPr marL="2057400" indent="-228600">
+              <a:defRPr>
+                <a:solidFill>
+                  <a:schemeClr val="tx1"/>
+                </a:solidFill>
+                <a:latin typeface="Calibri" panose="020F0502020204030204" pitchFamily="34" charset="0"/>
+              </a:defRPr>
+            </a:lvl5pPr>
+            <a:lvl6pPr marL="2514600" indent="-228600" eaLnBrk="0" fontAlgn="base" hangingPunct="0">
+              <a:spcBef>
+                <a:spcPct val="0"/>
+              </a:spcBef>
+              <a:spcAft>
+                <a:spcPct val="0"/>
+              </a:spcAft>
+              <a:defRPr>
+                <a:solidFill>
+                  <a:schemeClr val="tx1"/>
+                </a:solidFill>
+                <a:latin typeface="Calibri" panose="020F0502020204030204" pitchFamily="34" charset="0"/>
+              </a:defRPr>
+            </a:lvl6pPr>
+            <a:lvl7pPr marL="2971800" indent="-228600" eaLnBrk="0" fontAlgn="base" hangingPunct="0">
+              <a:spcBef>
+                <a:spcPct val="0"/>
+              </a:spcBef>
+              <a:spcAft>
+                <a:spcPct val="0"/>
+              </a:spcAft>
+              <a:defRPr>
+                <a:solidFill>
+                  <a:schemeClr val="tx1"/>
+                </a:solidFill>
+                <a:latin typeface="Calibri" panose="020F0502020204030204" pitchFamily="34" charset="0"/>
+              </a:defRPr>
+            </a:lvl7pPr>
+            <a:lvl8pPr marL="3429000" indent="-228600" eaLnBrk="0" fontAlgn="base" hangingPunct="0">
+              <a:spcBef>
+                <a:spcPct val="0"/>
+              </a:spcBef>
+              <a:spcAft>
+                <a:spcPct val="0"/>
+              </a:spcAft>
+              <a:defRPr>
+                <a:solidFill>
+                  <a:schemeClr val="tx1"/>
+                </a:solidFill>
+                <a:latin typeface="Calibri" panose="020F0502020204030204" pitchFamily="34" charset="0"/>
+              </a:defRPr>
+            </a:lvl8pPr>
+            <a:lvl9pPr marL="3886200" indent="-228600" eaLnBrk="0" fontAlgn="base" hangingPunct="0">
+              <a:spcBef>
+                <a:spcPct val="0"/>
+              </a:spcBef>
+              <a:spcAft>
+                <a:spcPct val="0"/>
+              </a:spcAft>
+              <a:defRPr>
+                <a:solidFill>
+                  <a:schemeClr val="tx1"/>
+                </a:solidFill>
+                <a:latin typeface="Calibri" panose="020F0502020204030204" pitchFamily="34" charset="0"/>
+              </a:defRPr>
+            </a:lvl9pPr>
+          </a:lstStyle>
+          <a:p>
+            <a:pPr algn="ctr" eaLnBrk="1" hangingPunct="1"/>
+            <a:r>
+              <a:rPr lang="en-US" altLang="en-US" dirty="0">
+                <a:latin typeface="Arial" panose="020B0604020202020204" pitchFamily="34" charset="0"/>
+                <a:ea typeface="Amazon Ember" panose="020B0603020204020204" pitchFamily="34" charset="0"/>
+                <a:cs typeface="Arial" panose="020B0604020202020204" pitchFamily="34" charset="0"/>
+              </a:rPr>
+              <a:t>Module </a:t>
+            </a:r>
+          </a:p>
+          <a:p>
+            <a:pPr algn="ctr" eaLnBrk="1" hangingPunct="1"/>
+            <a:r>
+              <a:rPr lang="en-US" altLang="en-US" dirty="0">
+                <a:latin typeface="Arial" panose="020B0604020202020204" pitchFamily="34" charset="0"/>
+                <a:ea typeface="Amazon Ember" panose="020B0603020204020204" pitchFamily="34" charset="0"/>
+                <a:cs typeface="Arial" panose="020B0604020202020204" pitchFamily="34" charset="0"/>
+              </a:rPr>
+              <a:t>Deployment </a:t>
+            </a:r>
+          </a:p>
+          <a:p>
+            <a:pPr algn="ctr" eaLnBrk="1" hangingPunct="1"/>
+            <a:r>
+              <a:rPr lang="en-US" altLang="en-US" dirty="0">
+                <a:latin typeface="Arial" panose="020B0604020202020204" pitchFamily="34" charset="0"/>
+                <a:ea typeface="Amazon Ember" panose="020B0603020204020204" pitchFamily="34" charset="0"/>
+                <a:cs typeface="Arial" panose="020B0604020202020204" pitchFamily="34" charset="0"/>
+              </a:rPr>
+              <a:t>Role</a:t>
+            </a:r>
+          </a:p>
+        </p:txBody>
+      </p:sp>
+      <p:pic>
+        <p:nvPicPr>
+          <p:cNvPr id="131" name="Graphic 15">
+            <a:extLst>
+              <a:ext uri="{FF2B5EF4-FFF2-40B4-BE49-F238E27FC236}">
+                <a16:creationId xmlns:a16="http://schemas.microsoft.com/office/drawing/2014/main" id="{8DC47D6E-990F-EA4B-A52D-5799438D6FF1}"/>
+              </a:ext>
+            </a:extLst>
+          </p:cNvPr>
+          <p:cNvPicPr>
+            <a:picLocks noChangeAspect="1" noChangeArrowheads="1"/>
+          </p:cNvPicPr>
+          <p:nvPr/>
+        </p:nvPicPr>
+        <p:blipFill>
+          <a:blip r:embed="rId8">
+            <a:extLst>
+              <a:ext uri="{96DAC541-7B7A-43D3-8B79-37D633B846F1}">
+                <asvg:svgBlip xmlns:asvg="http://schemas.microsoft.com/office/drawing/2016/SVG/main" r:embed="rId9"/>
+              </a:ext>
+            </a:extLst>
+          </a:blip>
+          <a:srcRect/>
+          <a:stretch/>
+        </p:blipFill>
+        <p:spPr bwMode="auto">
+          <a:xfrm>
+            <a:off x="10825381" y="1968868"/>
+            <a:ext cx="469900" cy="469900"/>
+          </a:xfrm>
+          <a:prstGeom prst="rect">
+            <a:avLst/>
+          </a:prstGeom>
+          <a:noFill/>
+          <a:ln>
+            <a:noFill/>
+          </a:ln>
+          <a:extLst>
+            <a:ext uri="{909E8E84-426E-40DD-AFC4-6F175D3DCCD1}">
+              <a14:hiddenFill xmlns:a14="http://schemas.microsoft.com/office/drawing/2010/main">
+                <a:solidFill>
+                  <a:srgbClr val="FFFFFF"/>
+                </a:solidFill>
+              </a14:hiddenFill>
+            </a:ext>
+            <a:ext uri="{91240B29-F687-4F45-9708-019B960494DF}">
+              <a14:hiddenLine xmlns:a14="http://schemas.microsoft.com/office/drawing/2010/main" w="9525">
+                <a:solidFill>
+                  <a:srgbClr val="000000"/>
+                </a:solidFill>
+                <a:miter lim="800000"/>
+                <a:headEnd/>
+                <a:tailEnd/>
+              </a14:hiddenLine>
+            </a:ext>
+          </a:extLst>
+        </p:spPr>
+      </p:pic>
+      <p:cxnSp>
+        <p:nvCxnSpPr>
+          <p:cNvPr id="132" name="Straight Arrow Connector 131">
+            <a:extLst>
+              <a:ext uri="{FF2B5EF4-FFF2-40B4-BE49-F238E27FC236}">
+                <a16:creationId xmlns:a16="http://schemas.microsoft.com/office/drawing/2014/main" id="{4D706544-8AE8-9E46-B3B5-A3E72B5A9904}"/>
+              </a:ext>
+            </a:extLst>
+          </p:cNvPr>
+          <p:cNvCxnSpPr>
+            <a:cxnSpLocks/>
+          </p:cNvCxnSpPr>
+          <p:nvPr/>
+        </p:nvCxnSpPr>
+        <p:spPr>
+          <a:xfrm>
+            <a:off x="1035766" y="3576957"/>
+            <a:ext cx="1096287" cy="0"/>
+          </a:xfrm>
+          <a:prstGeom prst="straightConnector1">
+            <a:avLst/>
+          </a:prstGeom>
+          <a:ln w="12700">
+            <a:solidFill>
+              <a:srgbClr val="8FA7C4"/>
+            </a:solidFill>
+            <a:headEnd type="none" w="med" len="sm"/>
+            <a:tailEnd type="arrow" w="med" len="sm"/>
+          </a:ln>
+        </p:spPr>
+        <p:style>
+          <a:lnRef idx="1">
+            <a:schemeClr val="accent1"/>
+          </a:lnRef>
+          <a:fillRef idx="0">
+            <a:schemeClr val="accent1"/>
+          </a:fillRef>
+          <a:effectRef idx="0">
+            <a:schemeClr val="accent1"/>
+          </a:effectRef>
+          <a:fontRef idx="minor">
+            <a:schemeClr val="tx1"/>
+          </a:fontRef>
+        </p:style>
+      </p:cxnSp>
+      <p:cxnSp>
+        <p:nvCxnSpPr>
+          <p:cNvPr id="133" name="Straight Arrow Connector 132">
+            <a:extLst>
+              <a:ext uri="{FF2B5EF4-FFF2-40B4-BE49-F238E27FC236}">
+                <a16:creationId xmlns:a16="http://schemas.microsoft.com/office/drawing/2014/main" id="{7C722A80-BAC3-474C-A875-A2B520C14BD1}"/>
+              </a:ext>
+            </a:extLst>
+          </p:cNvPr>
+          <p:cNvCxnSpPr>
+            <a:cxnSpLocks/>
+          </p:cNvCxnSpPr>
+          <p:nvPr/>
+        </p:nvCxnSpPr>
+        <p:spPr>
+          <a:xfrm>
+            <a:off x="6096000" y="2275840"/>
+            <a:ext cx="1096287" cy="0"/>
+          </a:xfrm>
+          <a:prstGeom prst="straightConnector1">
+            <a:avLst/>
+          </a:prstGeom>
+          <a:ln w="12700">
+            <a:solidFill>
+              <a:srgbClr val="8FA7C4"/>
+            </a:solidFill>
+            <a:headEnd type="none" w="med" len="sm"/>
+            <a:tailEnd type="arrow" w="med" len="sm"/>
+          </a:ln>
+        </p:spPr>
+        <p:style>
+          <a:lnRef idx="1">
+            <a:schemeClr val="accent1"/>
+          </a:lnRef>
+          <a:fillRef idx="0">
+            <a:schemeClr val="accent1"/>
+          </a:fillRef>
+          <a:effectRef idx="0">
+            <a:schemeClr val="accent1"/>
+          </a:effectRef>
+          <a:fontRef idx="minor">
+            <a:schemeClr val="tx1"/>
+          </a:fontRef>
+        </p:style>
+      </p:cxnSp>
+      <p:cxnSp>
+        <p:nvCxnSpPr>
+          <p:cNvPr id="134" name="Straight Arrow Connector 133">
+            <a:extLst>
+              <a:ext uri="{FF2B5EF4-FFF2-40B4-BE49-F238E27FC236}">
+                <a16:creationId xmlns:a16="http://schemas.microsoft.com/office/drawing/2014/main" id="{5329BB8A-F11C-D94B-A877-4022ACB36551}"/>
+              </a:ext>
+            </a:extLst>
+          </p:cNvPr>
+          <p:cNvCxnSpPr>
+            <a:cxnSpLocks/>
+            <a:endCxn id="126" idx="1"/>
+          </p:cNvCxnSpPr>
+          <p:nvPr/>
+        </p:nvCxnSpPr>
+        <p:spPr>
+          <a:xfrm flipV="1">
+            <a:off x="5865779" y="1185011"/>
+            <a:ext cx="3059563" cy="826997"/>
+          </a:xfrm>
+          <a:prstGeom prst="straightConnector1">
+            <a:avLst/>
+          </a:prstGeom>
+          <a:ln w="12700">
+            <a:solidFill>
+              <a:srgbClr val="8FA7C4"/>
+            </a:solidFill>
+            <a:headEnd type="none" w="med" len="sm"/>
+            <a:tailEnd type="arrow" w="med" len="sm"/>
+          </a:ln>
+        </p:spPr>
+        <p:style>
+          <a:lnRef idx="1">
+            <a:schemeClr val="accent1"/>
+          </a:lnRef>
+          <a:fillRef idx="0">
+            <a:schemeClr val="accent1"/>
+          </a:fillRef>
+          <a:effectRef idx="0">
+            <a:schemeClr val="accent1"/>
+          </a:effectRef>
+          <a:fontRef idx="minor">
+            <a:schemeClr val="tx1"/>
+          </a:fontRef>
+        </p:style>
+      </p:cxnSp>
+      <p:sp>
+        <p:nvSpPr>
+          <p:cNvPr id="135" name="TextBox 23">
+            <a:extLst>
+              <a:ext uri="{FF2B5EF4-FFF2-40B4-BE49-F238E27FC236}">
+                <a16:creationId xmlns:a16="http://schemas.microsoft.com/office/drawing/2014/main" id="{4B76A64E-6FC1-C248-A807-6A0C9C9B6A2F}"/>
+              </a:ext>
+            </a:extLst>
+          </p:cNvPr>
+          <p:cNvSpPr txBox="1">
+            <a:spLocks noChangeArrowheads="1"/>
+          </p:cNvSpPr>
+          <p:nvPr/>
+        </p:nvSpPr>
+        <p:spPr bwMode="auto">
+          <a:xfrm>
+            <a:off x="7733996" y="1391603"/>
+            <a:ext cx="979417" cy="523220"/>
+          </a:xfrm>
+          <a:prstGeom prst="rect">
+            <a:avLst/>
+          </a:prstGeom>
+          <a:noFill/>
+          <a:ln>
+            <a:noFill/>
+          </a:ln>
+          <a:extLst>
+            <a:ext uri="{909E8E84-426E-40DD-AFC4-6F175D3DCCD1}">
+              <a14:hiddenFill xmlns:a14="http://schemas.microsoft.com/office/drawing/2010/main">
+                <a:solidFill>
+                  <a:srgbClr val="FFFFFF"/>
+                </a:solidFill>
+              </a14:hiddenFill>
+            </a:ext>
+            <a:ext uri="{91240B29-F687-4F45-9708-019B960494DF}">
+              <a14:hiddenLine xmlns:a14="http://schemas.microsoft.com/office/drawing/2010/main" w="9525">
+                <a:solidFill>
+                  <a:srgbClr val="000000"/>
+                </a:solidFill>
+                <a:miter lim="800000"/>
+                <a:headEnd/>
+                <a:tailEnd/>
+              </a14:hiddenLine>
+            </a:ext>
+          </a:extLst>
+        </p:spPr>
+        <p:txBody>
+          <a:bodyPr wrap="square">
+            <a:spAutoFit/>
+          </a:bodyPr>
+          <a:lstStyle>
+            <a:lvl1pPr>
+              <a:defRPr>
+                <a:solidFill>
+                  <a:schemeClr val="tx1"/>
+                </a:solidFill>
+                <a:latin typeface="Calibri" panose="020F0502020204030204" pitchFamily="34" charset="0"/>
+              </a:defRPr>
+            </a:lvl1pPr>
+            <a:lvl2pPr marL="742950" indent="-285750">
+              <a:defRPr>
+                <a:solidFill>
+                  <a:schemeClr val="tx1"/>
+                </a:solidFill>
+                <a:latin typeface="Calibri" panose="020F0502020204030204" pitchFamily="34" charset="0"/>
+              </a:defRPr>
+            </a:lvl2pPr>
+            <a:lvl3pPr marL="1143000" indent="-228600">
+              <a:defRPr>
+                <a:solidFill>
+                  <a:schemeClr val="tx1"/>
+                </a:solidFill>
+                <a:latin typeface="Calibri" panose="020F0502020204030204" pitchFamily="34" charset="0"/>
+              </a:defRPr>
+            </a:lvl3pPr>
+            <a:lvl4pPr marL="1600200" indent="-228600">
+              <a:defRPr>
+                <a:solidFill>
+                  <a:schemeClr val="tx1"/>
+                </a:solidFill>
+                <a:latin typeface="Calibri" panose="020F0502020204030204" pitchFamily="34" charset="0"/>
+              </a:defRPr>
+            </a:lvl4pPr>
+            <a:lvl5pPr marL="2057400" indent="-228600">
+              <a:defRPr>
+                <a:solidFill>
+                  <a:schemeClr val="tx1"/>
+                </a:solidFill>
+                <a:latin typeface="Calibri" panose="020F0502020204030204" pitchFamily="34" charset="0"/>
+              </a:defRPr>
+            </a:lvl5pPr>
+            <a:lvl6pPr marL="2514600" indent="-228600" eaLnBrk="0" fontAlgn="base" hangingPunct="0">
+              <a:spcBef>
+                <a:spcPct val="0"/>
+              </a:spcBef>
+              <a:spcAft>
+                <a:spcPct val="0"/>
+              </a:spcAft>
+              <a:defRPr>
+                <a:solidFill>
+                  <a:schemeClr val="tx1"/>
+                </a:solidFill>
+                <a:latin typeface="Calibri" panose="020F0502020204030204" pitchFamily="34" charset="0"/>
+              </a:defRPr>
+            </a:lvl6pPr>
+            <a:lvl7pPr marL="2971800" indent="-228600" eaLnBrk="0" fontAlgn="base" hangingPunct="0">
+              <a:spcBef>
+                <a:spcPct val="0"/>
+              </a:spcBef>
+              <a:spcAft>
+                <a:spcPct val="0"/>
+              </a:spcAft>
+              <a:defRPr>
+                <a:solidFill>
+                  <a:schemeClr val="tx1"/>
+                </a:solidFill>
+                <a:latin typeface="Calibri" panose="020F0502020204030204" pitchFamily="34" charset="0"/>
+              </a:defRPr>
+            </a:lvl7pPr>
+            <a:lvl8pPr marL="3429000" indent="-228600" eaLnBrk="0" fontAlgn="base" hangingPunct="0">
+              <a:spcBef>
+                <a:spcPct val="0"/>
+              </a:spcBef>
+              <a:spcAft>
+                <a:spcPct val="0"/>
+              </a:spcAft>
+              <a:defRPr>
+                <a:solidFill>
+                  <a:schemeClr val="tx1"/>
+                </a:solidFill>
+                <a:latin typeface="Calibri" panose="020F0502020204030204" pitchFamily="34" charset="0"/>
+              </a:defRPr>
+            </a:lvl8pPr>
+            <a:lvl9pPr marL="3886200" indent="-228600" eaLnBrk="0" fontAlgn="base" hangingPunct="0">
+              <a:spcBef>
+                <a:spcPct val="0"/>
+              </a:spcBef>
+              <a:spcAft>
+                <a:spcPct val="0"/>
+              </a:spcAft>
+              <a:defRPr>
+                <a:solidFill>
+                  <a:schemeClr val="tx1"/>
+                </a:solidFill>
+                <a:latin typeface="Calibri" panose="020F0502020204030204" pitchFamily="34" charset="0"/>
+              </a:defRPr>
+            </a:lvl9pPr>
+          </a:lstStyle>
+          <a:p>
+            <a:pPr algn="ctr" eaLnBrk="1" hangingPunct="1"/>
+            <a:r>
+              <a:rPr lang="en-US" altLang="en-US" sz="1400" dirty="0">
+                <a:latin typeface="Arial" panose="020B0604020202020204" pitchFamily="34" charset="0"/>
+                <a:ea typeface="Amazon Ember" panose="020B0603020204020204" pitchFamily="34" charset="0"/>
+                <a:cs typeface="Arial" panose="020B0604020202020204" pitchFamily="34" charset="0"/>
+              </a:rPr>
+              <a:t>Module Metadata</a:t>
+            </a:r>
+          </a:p>
+        </p:txBody>
+      </p:sp>
+      <p:sp>
+        <p:nvSpPr>
+          <p:cNvPr id="136" name="TextBox 23">
+            <a:extLst>
+              <a:ext uri="{FF2B5EF4-FFF2-40B4-BE49-F238E27FC236}">
+                <a16:creationId xmlns:a16="http://schemas.microsoft.com/office/drawing/2014/main" id="{DDAF3A17-9B8F-4F4E-A726-DF809E1D0EC3}"/>
+              </a:ext>
+            </a:extLst>
+          </p:cNvPr>
+          <p:cNvSpPr txBox="1">
+            <a:spLocks noChangeArrowheads="1"/>
+          </p:cNvSpPr>
+          <p:nvPr/>
+        </p:nvSpPr>
+        <p:spPr bwMode="auto">
+          <a:xfrm>
+            <a:off x="10234274" y="2533083"/>
+            <a:ext cx="1562486" cy="738664"/>
+          </a:xfrm>
+          <a:prstGeom prst="rect">
+            <a:avLst/>
+          </a:prstGeom>
+          <a:noFill/>
+          <a:ln>
+            <a:noFill/>
+          </a:ln>
+          <a:extLst>
+            <a:ext uri="{909E8E84-426E-40DD-AFC4-6F175D3DCCD1}">
+              <a14:hiddenFill xmlns:a14="http://schemas.microsoft.com/office/drawing/2010/main">
+                <a:solidFill>
+                  <a:srgbClr val="FFFFFF"/>
+                </a:solidFill>
+              </a14:hiddenFill>
+            </a:ext>
+            <a:ext uri="{91240B29-F687-4F45-9708-019B960494DF}">
+              <a14:hiddenLine xmlns:a14="http://schemas.microsoft.com/office/drawing/2010/main" w="9525">
+                <a:solidFill>
+                  <a:srgbClr val="000000"/>
+                </a:solidFill>
+                <a:miter lim="800000"/>
+                <a:headEnd/>
+                <a:tailEnd/>
+              </a14:hiddenLine>
+            </a:ext>
+          </a:extLst>
+        </p:spPr>
+        <p:txBody>
+          <a:bodyPr wrap="square">
+            <a:spAutoFit/>
+          </a:bodyPr>
+          <a:lstStyle>
+            <a:lvl1pPr>
+              <a:defRPr>
+                <a:solidFill>
+                  <a:schemeClr val="tx1"/>
+                </a:solidFill>
+                <a:latin typeface="Calibri" panose="020F0502020204030204" pitchFamily="34" charset="0"/>
+              </a:defRPr>
+            </a:lvl1pPr>
+            <a:lvl2pPr marL="742950" indent="-285750">
+              <a:defRPr>
+                <a:solidFill>
+                  <a:schemeClr val="tx1"/>
+                </a:solidFill>
+                <a:latin typeface="Calibri" panose="020F0502020204030204" pitchFamily="34" charset="0"/>
+              </a:defRPr>
+            </a:lvl2pPr>
+            <a:lvl3pPr marL="1143000" indent="-228600">
+              <a:defRPr>
+                <a:solidFill>
+                  <a:schemeClr val="tx1"/>
+                </a:solidFill>
+                <a:latin typeface="Calibri" panose="020F0502020204030204" pitchFamily="34" charset="0"/>
+              </a:defRPr>
+            </a:lvl3pPr>
+            <a:lvl4pPr marL="1600200" indent="-228600">
+              <a:defRPr>
+                <a:solidFill>
+                  <a:schemeClr val="tx1"/>
+                </a:solidFill>
+                <a:latin typeface="Calibri" panose="020F0502020204030204" pitchFamily="34" charset="0"/>
+              </a:defRPr>
+            </a:lvl4pPr>
+            <a:lvl5pPr marL="2057400" indent="-228600">
+              <a:defRPr>
+                <a:solidFill>
+                  <a:schemeClr val="tx1"/>
+                </a:solidFill>
+                <a:latin typeface="Calibri" panose="020F0502020204030204" pitchFamily="34" charset="0"/>
+              </a:defRPr>
+            </a:lvl5pPr>
+            <a:lvl6pPr marL="2514600" indent="-228600" eaLnBrk="0" fontAlgn="base" hangingPunct="0">
+              <a:spcBef>
+                <a:spcPct val="0"/>
+              </a:spcBef>
+              <a:spcAft>
+                <a:spcPct val="0"/>
+              </a:spcAft>
+              <a:defRPr>
+                <a:solidFill>
+                  <a:schemeClr val="tx1"/>
+                </a:solidFill>
+                <a:latin typeface="Calibri" panose="020F0502020204030204" pitchFamily="34" charset="0"/>
+              </a:defRPr>
+            </a:lvl6pPr>
+            <a:lvl7pPr marL="2971800" indent="-228600" eaLnBrk="0" fontAlgn="base" hangingPunct="0">
+              <a:spcBef>
+                <a:spcPct val="0"/>
+              </a:spcBef>
+              <a:spcAft>
+                <a:spcPct val="0"/>
+              </a:spcAft>
+              <a:defRPr>
+                <a:solidFill>
+                  <a:schemeClr val="tx1"/>
+                </a:solidFill>
+                <a:latin typeface="Calibri" panose="020F0502020204030204" pitchFamily="34" charset="0"/>
+              </a:defRPr>
+            </a:lvl7pPr>
+            <a:lvl8pPr marL="3429000" indent="-228600" eaLnBrk="0" fontAlgn="base" hangingPunct="0">
+              <a:spcBef>
+                <a:spcPct val="0"/>
+              </a:spcBef>
+              <a:spcAft>
+                <a:spcPct val="0"/>
+              </a:spcAft>
+              <a:defRPr>
+                <a:solidFill>
+                  <a:schemeClr val="tx1"/>
+                </a:solidFill>
+                <a:latin typeface="Calibri" panose="020F0502020204030204" pitchFamily="34" charset="0"/>
+              </a:defRPr>
+            </a:lvl8pPr>
+            <a:lvl9pPr marL="3886200" indent="-228600" eaLnBrk="0" fontAlgn="base" hangingPunct="0">
+              <a:spcBef>
+                <a:spcPct val="0"/>
+              </a:spcBef>
+              <a:spcAft>
+                <a:spcPct val="0"/>
+              </a:spcAft>
+              <a:defRPr>
+                <a:solidFill>
+                  <a:schemeClr val="tx1"/>
+                </a:solidFill>
+                <a:latin typeface="Calibri" panose="020F0502020204030204" pitchFamily="34" charset="0"/>
+              </a:defRPr>
+            </a:lvl9pPr>
+          </a:lstStyle>
+          <a:p>
+            <a:pPr algn="ctr" eaLnBrk="1" hangingPunct="1"/>
+            <a:r>
+              <a:rPr lang="en-US" altLang="en-US" sz="1400" dirty="0">
+                <a:latin typeface="Arial" panose="020B0604020202020204" pitchFamily="34" charset="0"/>
+                <a:ea typeface="Amazon Ember" panose="020B0603020204020204" pitchFamily="34" charset="0"/>
+                <a:cs typeface="Arial" panose="020B0604020202020204" pitchFamily="34" charset="0"/>
+              </a:rPr>
+              <a:t>AWS Resources as Defined in Module Code</a:t>
+            </a:r>
+          </a:p>
+        </p:txBody>
+      </p:sp>
+      <p:pic>
+        <p:nvPicPr>
+          <p:cNvPr id="137" name="Graphic 49">
+            <a:extLst>
+              <a:ext uri="{FF2B5EF4-FFF2-40B4-BE49-F238E27FC236}">
+                <a16:creationId xmlns:a16="http://schemas.microsoft.com/office/drawing/2014/main" id="{E80B096A-B6B9-534F-BA6E-78DE30DE7894}"/>
+              </a:ext>
+            </a:extLst>
+          </p:cNvPr>
+          <p:cNvPicPr>
+            <a:picLocks noChangeAspect="1" noChangeArrowheads="1"/>
+          </p:cNvPicPr>
+          <p:nvPr/>
+        </p:nvPicPr>
+        <p:blipFill>
+          <a:blip r:embed="rId7">
+            <a:extLst>
+              <a:ext uri="{28A0092B-C50C-407E-A947-70E740481C1C}">
+                <a14:useLocalDpi xmlns:a14="http://schemas.microsoft.com/office/drawing/2010/main" val="0"/>
+              </a:ext>
+            </a:extLst>
+          </a:blip>
+          <a:srcRect/>
+          <a:stretch>
+            <a:fillRect/>
+          </a:stretch>
+        </p:blipFill>
+        <p:spPr bwMode="auto">
+          <a:xfrm>
+            <a:off x="8869319" y="1900739"/>
+            <a:ext cx="620405" cy="620405"/>
+          </a:xfrm>
+          <a:prstGeom prst="rect">
+            <a:avLst/>
+          </a:prstGeom>
+          <a:noFill/>
+          <a:ln>
+            <a:noFill/>
+          </a:ln>
+          <a:extLst>
+            <a:ext uri="{909E8E84-426E-40DD-AFC4-6F175D3DCCD1}">
+              <a14:hiddenFill xmlns:a14="http://schemas.microsoft.com/office/drawing/2010/main">
+                <a:solidFill>
+                  <a:srgbClr val="FFFFFF"/>
+                </a:solidFill>
+              </a14:hiddenFill>
+            </a:ext>
+            <a:ext uri="{91240B29-F687-4F45-9708-019B960494DF}">
+              <a14:hiddenLine xmlns:a14="http://schemas.microsoft.com/office/drawing/2010/main" w="9525">
+                <a:solidFill>
+                  <a:srgbClr val="000000"/>
+                </a:solidFill>
+                <a:miter lim="800000"/>
+                <a:headEnd/>
+                <a:tailEnd/>
+              </a14:hiddenLine>
+            </a:ext>
+          </a:extLst>
+        </p:spPr>
+      </p:pic>
+      <p:pic>
+        <p:nvPicPr>
+          <p:cNvPr id="138" name="Graphic 49">
+            <a:extLst>
+              <a:ext uri="{FF2B5EF4-FFF2-40B4-BE49-F238E27FC236}">
+                <a16:creationId xmlns:a16="http://schemas.microsoft.com/office/drawing/2014/main" id="{00FB5835-540F-5D4C-8E88-9A8C3E499761}"/>
+              </a:ext>
+            </a:extLst>
+          </p:cNvPr>
+          <p:cNvPicPr>
+            <a:picLocks noChangeAspect="1" noChangeArrowheads="1"/>
+          </p:cNvPicPr>
+          <p:nvPr/>
+        </p:nvPicPr>
+        <p:blipFill>
+          <a:blip r:embed="rId7">
+            <a:extLst>
+              <a:ext uri="{28A0092B-C50C-407E-A947-70E740481C1C}">
+                <a14:useLocalDpi xmlns:a14="http://schemas.microsoft.com/office/drawing/2010/main" val="0"/>
+              </a:ext>
+            </a:extLst>
+          </a:blip>
+          <a:srcRect/>
+          <a:stretch>
+            <a:fillRect/>
+          </a:stretch>
+        </p:blipFill>
+        <p:spPr bwMode="auto">
+          <a:xfrm>
+            <a:off x="2327949" y="3254494"/>
+            <a:ext cx="620405" cy="620405"/>
+          </a:xfrm>
+          <a:prstGeom prst="rect">
+            <a:avLst/>
+          </a:prstGeom>
+          <a:noFill/>
+          <a:ln>
+            <a:noFill/>
+          </a:ln>
+          <a:extLst>
+            <a:ext uri="{909E8E84-426E-40DD-AFC4-6F175D3DCCD1}">
+              <a14:hiddenFill xmlns:a14="http://schemas.microsoft.com/office/drawing/2010/main">
+                <a:solidFill>
+                  <a:srgbClr val="FFFFFF"/>
+                </a:solidFill>
+              </a14:hiddenFill>
+            </a:ext>
+            <a:ext uri="{91240B29-F687-4F45-9708-019B960494DF}">
+              <a14:hiddenLine xmlns:a14="http://schemas.microsoft.com/office/drawing/2010/main" w="9525">
+                <a:solidFill>
+                  <a:srgbClr val="000000"/>
+                </a:solidFill>
+                <a:miter lim="800000"/>
+                <a:headEnd/>
+                <a:tailEnd/>
+              </a14:hiddenLine>
+            </a:ext>
+          </a:extLst>
+        </p:spPr>
+      </p:pic>
+      <p:cxnSp>
+        <p:nvCxnSpPr>
+          <p:cNvPr id="139" name="Straight Arrow Connector 138">
+            <a:extLst>
+              <a:ext uri="{FF2B5EF4-FFF2-40B4-BE49-F238E27FC236}">
+                <a16:creationId xmlns:a16="http://schemas.microsoft.com/office/drawing/2014/main" id="{65560FBA-2937-EA4B-A88A-276278C7C1ED}"/>
+              </a:ext>
+            </a:extLst>
+          </p:cNvPr>
+          <p:cNvCxnSpPr>
+            <a:cxnSpLocks/>
+          </p:cNvCxnSpPr>
+          <p:nvPr/>
+        </p:nvCxnSpPr>
+        <p:spPr>
+          <a:xfrm flipV="1">
+            <a:off x="2762655" y="2781667"/>
+            <a:ext cx="0" cy="490080"/>
+          </a:xfrm>
+          <a:prstGeom prst="straightConnector1">
+            <a:avLst/>
+          </a:prstGeom>
+          <a:ln w="12700">
+            <a:solidFill>
+              <a:srgbClr val="8FA7C4"/>
+            </a:solidFill>
+            <a:headEnd type="none" w="med" len="sm"/>
+            <a:tailEnd type="arrow" w="med" len="sm"/>
+          </a:ln>
+        </p:spPr>
+        <p:style>
+          <a:lnRef idx="1">
+            <a:schemeClr val="accent1"/>
+          </a:lnRef>
+          <a:fillRef idx="0">
+            <a:schemeClr val="accent1"/>
+          </a:fillRef>
+          <a:effectRef idx="0">
+            <a:schemeClr val="accent1"/>
+          </a:effectRef>
+          <a:fontRef idx="minor">
+            <a:schemeClr val="tx1"/>
+          </a:fontRef>
+        </p:style>
+      </p:cxnSp>
+      <p:sp>
+        <p:nvSpPr>
+          <p:cNvPr id="140" name="TextBox 23">
+            <a:extLst>
+              <a:ext uri="{FF2B5EF4-FFF2-40B4-BE49-F238E27FC236}">
+                <a16:creationId xmlns:a16="http://schemas.microsoft.com/office/drawing/2014/main" id="{1C1142F7-0C61-5745-8D60-C9505EF27890}"/>
+              </a:ext>
+            </a:extLst>
+          </p:cNvPr>
+          <p:cNvSpPr txBox="1">
+            <a:spLocks noChangeArrowheads="1"/>
+          </p:cNvSpPr>
+          <p:nvPr/>
+        </p:nvSpPr>
+        <p:spPr bwMode="auto">
+          <a:xfrm>
+            <a:off x="1226830" y="2611210"/>
+            <a:ext cx="1810445" cy="523220"/>
+          </a:xfrm>
+          <a:prstGeom prst="rect">
+            <a:avLst/>
+          </a:prstGeom>
+          <a:noFill/>
+          <a:ln>
+            <a:noFill/>
+          </a:ln>
+          <a:extLst>
+            <a:ext uri="{909E8E84-426E-40DD-AFC4-6F175D3DCCD1}">
+              <a14:hiddenFill xmlns:a14="http://schemas.microsoft.com/office/drawing/2010/main">
+                <a:solidFill>
+                  <a:srgbClr val="FFFFFF"/>
+                </a:solidFill>
+              </a14:hiddenFill>
+            </a:ext>
+            <a:ext uri="{91240B29-F687-4F45-9708-019B960494DF}">
+              <a14:hiddenLine xmlns:a14="http://schemas.microsoft.com/office/drawing/2010/main" w="9525">
+                <a:solidFill>
+                  <a:srgbClr val="000000"/>
+                </a:solidFill>
+                <a:miter lim="800000"/>
+                <a:headEnd/>
+                <a:tailEnd/>
+              </a14:hiddenLine>
+            </a:ext>
+          </a:extLst>
+        </p:spPr>
+        <p:txBody>
+          <a:bodyPr wrap="square">
+            <a:spAutoFit/>
+          </a:bodyPr>
+          <a:lstStyle>
+            <a:lvl1pPr>
+              <a:defRPr>
+                <a:solidFill>
+                  <a:schemeClr val="tx1"/>
+                </a:solidFill>
+                <a:latin typeface="Calibri" panose="020F0502020204030204" pitchFamily="34" charset="0"/>
+              </a:defRPr>
+            </a:lvl1pPr>
+            <a:lvl2pPr marL="742950" indent="-285750">
+              <a:defRPr>
+                <a:solidFill>
+                  <a:schemeClr val="tx1"/>
+                </a:solidFill>
+                <a:latin typeface="Calibri" panose="020F0502020204030204" pitchFamily="34" charset="0"/>
+              </a:defRPr>
+            </a:lvl2pPr>
+            <a:lvl3pPr marL="1143000" indent="-228600">
+              <a:defRPr>
+                <a:solidFill>
+                  <a:schemeClr val="tx1"/>
+                </a:solidFill>
+                <a:latin typeface="Calibri" panose="020F0502020204030204" pitchFamily="34" charset="0"/>
+              </a:defRPr>
+            </a:lvl3pPr>
+            <a:lvl4pPr marL="1600200" indent="-228600">
+              <a:defRPr>
+                <a:solidFill>
+                  <a:schemeClr val="tx1"/>
+                </a:solidFill>
+                <a:latin typeface="Calibri" panose="020F0502020204030204" pitchFamily="34" charset="0"/>
+              </a:defRPr>
+            </a:lvl4pPr>
+            <a:lvl5pPr marL="2057400" indent="-228600">
+              <a:defRPr>
+                <a:solidFill>
+                  <a:schemeClr val="tx1"/>
+                </a:solidFill>
+                <a:latin typeface="Calibri" panose="020F0502020204030204" pitchFamily="34" charset="0"/>
+              </a:defRPr>
+            </a:lvl5pPr>
+            <a:lvl6pPr marL="2514600" indent="-228600" eaLnBrk="0" fontAlgn="base" hangingPunct="0">
+              <a:spcBef>
+                <a:spcPct val="0"/>
+              </a:spcBef>
+              <a:spcAft>
+                <a:spcPct val="0"/>
+              </a:spcAft>
+              <a:defRPr>
+                <a:solidFill>
+                  <a:schemeClr val="tx1"/>
+                </a:solidFill>
+                <a:latin typeface="Calibri" panose="020F0502020204030204" pitchFamily="34" charset="0"/>
+              </a:defRPr>
+            </a:lvl6pPr>
+            <a:lvl7pPr marL="2971800" indent="-228600" eaLnBrk="0" fontAlgn="base" hangingPunct="0">
+              <a:spcBef>
+                <a:spcPct val="0"/>
+              </a:spcBef>
+              <a:spcAft>
+                <a:spcPct val="0"/>
+              </a:spcAft>
+              <a:defRPr>
+                <a:solidFill>
+                  <a:schemeClr val="tx1"/>
+                </a:solidFill>
+                <a:latin typeface="Calibri" panose="020F0502020204030204" pitchFamily="34" charset="0"/>
+              </a:defRPr>
+            </a:lvl7pPr>
+            <a:lvl8pPr marL="3429000" indent="-228600" eaLnBrk="0" fontAlgn="base" hangingPunct="0">
+              <a:spcBef>
+                <a:spcPct val="0"/>
+              </a:spcBef>
+              <a:spcAft>
+                <a:spcPct val="0"/>
+              </a:spcAft>
+              <a:defRPr>
+                <a:solidFill>
+                  <a:schemeClr val="tx1"/>
+                </a:solidFill>
+                <a:latin typeface="Calibri" panose="020F0502020204030204" pitchFamily="34" charset="0"/>
+              </a:defRPr>
+            </a:lvl8pPr>
+            <a:lvl9pPr marL="3886200" indent="-228600" eaLnBrk="0" fontAlgn="base" hangingPunct="0">
+              <a:spcBef>
+                <a:spcPct val="0"/>
+              </a:spcBef>
+              <a:spcAft>
+                <a:spcPct val="0"/>
+              </a:spcAft>
+              <a:defRPr>
+                <a:solidFill>
+                  <a:schemeClr val="tx1"/>
+                </a:solidFill>
+                <a:latin typeface="Calibri" panose="020F0502020204030204" pitchFamily="34" charset="0"/>
+              </a:defRPr>
+            </a:lvl9pPr>
+          </a:lstStyle>
+          <a:p>
+            <a:pPr algn="ctr" eaLnBrk="1" hangingPunct="1"/>
+            <a:r>
+              <a:rPr lang="en-US" altLang="en-US" sz="1400" dirty="0">
+                <a:latin typeface="Arial" panose="020B0604020202020204" pitchFamily="34" charset="0"/>
+                <a:ea typeface="Amazon Ember" panose="020B0603020204020204" pitchFamily="34" charset="0"/>
+                <a:cs typeface="Arial" panose="020B0604020202020204" pitchFamily="34" charset="0"/>
+              </a:rPr>
+              <a:t>Deployment Metadata</a:t>
+            </a:r>
+          </a:p>
+        </p:txBody>
+      </p:sp>
+      <p:cxnSp>
+        <p:nvCxnSpPr>
+          <p:cNvPr id="141" name="Straight Arrow Connector 140">
+            <a:extLst>
+              <a:ext uri="{FF2B5EF4-FFF2-40B4-BE49-F238E27FC236}">
+                <a16:creationId xmlns:a16="http://schemas.microsoft.com/office/drawing/2014/main" id="{76B856E2-6A78-6248-8F2C-D0552E32B1C3}"/>
+              </a:ext>
+            </a:extLst>
+          </p:cNvPr>
+          <p:cNvCxnSpPr>
+            <a:cxnSpLocks/>
+          </p:cNvCxnSpPr>
+          <p:nvPr/>
+        </p:nvCxnSpPr>
+        <p:spPr>
+          <a:xfrm>
+            <a:off x="7994023" y="2240607"/>
+            <a:ext cx="786085" cy="1"/>
+          </a:xfrm>
+          <a:prstGeom prst="straightConnector1">
+            <a:avLst/>
+          </a:prstGeom>
+          <a:ln w="12700">
+            <a:solidFill>
+              <a:srgbClr val="8FA7C4"/>
+            </a:solidFill>
+            <a:headEnd type="none" w="med" len="sm"/>
+            <a:tailEnd type="arrow" w="med" len="sm"/>
+          </a:ln>
+        </p:spPr>
+        <p:style>
+          <a:lnRef idx="1">
+            <a:schemeClr val="accent1"/>
+          </a:lnRef>
+          <a:fillRef idx="0">
+            <a:schemeClr val="accent1"/>
+          </a:fillRef>
+          <a:effectRef idx="0">
+            <a:schemeClr val="accent1"/>
+          </a:effectRef>
+          <a:fontRef idx="minor">
+            <a:schemeClr val="tx1"/>
+          </a:fontRef>
+        </p:style>
+      </p:cxnSp>
+      <p:cxnSp>
+        <p:nvCxnSpPr>
+          <p:cNvPr id="142" name="Straight Arrow Connector 141">
+            <a:extLst>
+              <a:ext uri="{FF2B5EF4-FFF2-40B4-BE49-F238E27FC236}">
+                <a16:creationId xmlns:a16="http://schemas.microsoft.com/office/drawing/2014/main" id="{29059A98-4920-9B4E-B724-68ACF47DE511}"/>
+              </a:ext>
+            </a:extLst>
+          </p:cNvPr>
+          <p:cNvCxnSpPr>
+            <a:cxnSpLocks/>
+          </p:cNvCxnSpPr>
+          <p:nvPr/>
+        </p:nvCxnSpPr>
+        <p:spPr>
+          <a:xfrm flipV="1">
+            <a:off x="9645630" y="2234778"/>
+            <a:ext cx="1095022" cy="20788"/>
+          </a:xfrm>
+          <a:prstGeom prst="straightConnector1">
+            <a:avLst/>
+          </a:prstGeom>
+          <a:ln w="12700">
+            <a:solidFill>
+              <a:srgbClr val="8FA7C4"/>
+            </a:solidFill>
+            <a:headEnd type="none" w="med" len="sm"/>
+            <a:tailEnd type="arrow" w="med" len="sm"/>
+          </a:ln>
+        </p:spPr>
+        <p:style>
+          <a:lnRef idx="1">
+            <a:schemeClr val="accent1"/>
+          </a:lnRef>
+          <a:fillRef idx="0">
+            <a:schemeClr val="accent1"/>
+          </a:fillRef>
+          <a:effectRef idx="0">
+            <a:schemeClr val="accent1"/>
+          </a:effectRef>
+          <a:fontRef idx="minor">
+            <a:schemeClr val="tx1"/>
+          </a:fontRef>
+        </p:style>
+      </p:cxnSp>
+      <p:cxnSp>
+        <p:nvCxnSpPr>
+          <p:cNvPr id="158" name="Straight Arrow Connector 157">
+            <a:extLst>
+              <a:ext uri="{FF2B5EF4-FFF2-40B4-BE49-F238E27FC236}">
+                <a16:creationId xmlns:a16="http://schemas.microsoft.com/office/drawing/2014/main" id="{78C8ACAD-575E-374D-A62D-C3FEA8DDD1C9}"/>
+              </a:ext>
+            </a:extLst>
+          </p:cNvPr>
+          <p:cNvCxnSpPr>
+            <a:cxnSpLocks/>
+          </p:cNvCxnSpPr>
+          <p:nvPr/>
+        </p:nvCxnSpPr>
+        <p:spPr>
+          <a:xfrm flipV="1">
+            <a:off x="3133450" y="2781667"/>
+            <a:ext cx="2041665" cy="736975"/>
+          </a:xfrm>
+          <a:prstGeom prst="straightConnector1">
+            <a:avLst/>
+          </a:prstGeom>
+          <a:ln w="12700">
+            <a:solidFill>
+              <a:srgbClr val="8FA7C4"/>
+            </a:solidFill>
+            <a:headEnd type="none" w="med" len="sm"/>
+            <a:tailEnd type="arrow" w="med" len="sm"/>
+          </a:ln>
+        </p:spPr>
+        <p:style>
+          <a:lnRef idx="1">
+            <a:schemeClr val="accent1"/>
+          </a:lnRef>
+          <a:fillRef idx="0">
+            <a:schemeClr val="accent1"/>
+          </a:fillRef>
+          <a:effectRef idx="0">
+            <a:schemeClr val="accent1"/>
+          </a:effectRef>
+          <a:fontRef idx="minor">
+            <a:schemeClr val="tx1"/>
+          </a:fontRef>
+        </p:style>
+      </p:cxnSp>
+      <p:cxnSp>
+        <p:nvCxnSpPr>
+          <p:cNvPr id="159" name="Straight Arrow Connector 158">
+            <a:extLst>
+              <a:ext uri="{FF2B5EF4-FFF2-40B4-BE49-F238E27FC236}">
+                <a16:creationId xmlns:a16="http://schemas.microsoft.com/office/drawing/2014/main" id="{D3D4B3BD-B4B2-8A45-896E-F3A8480EEFDD}"/>
+              </a:ext>
+            </a:extLst>
+          </p:cNvPr>
+          <p:cNvCxnSpPr>
+            <a:cxnSpLocks/>
+          </p:cNvCxnSpPr>
+          <p:nvPr/>
+        </p:nvCxnSpPr>
+        <p:spPr>
+          <a:xfrm>
+            <a:off x="3104260" y="3716250"/>
+            <a:ext cx="2177859" cy="1472013"/>
+          </a:xfrm>
+          <a:prstGeom prst="straightConnector1">
+            <a:avLst/>
+          </a:prstGeom>
+          <a:ln w="12700">
+            <a:solidFill>
+              <a:srgbClr val="8FA7C4"/>
+            </a:solidFill>
+            <a:headEnd type="none" w="med" len="sm"/>
+            <a:tailEnd type="arrow" w="med" len="sm"/>
+          </a:ln>
+        </p:spPr>
+        <p:style>
+          <a:lnRef idx="1">
+            <a:schemeClr val="accent1"/>
+          </a:lnRef>
+          <a:fillRef idx="0">
+            <a:schemeClr val="accent1"/>
+          </a:fillRef>
+          <a:effectRef idx="0">
+            <a:schemeClr val="accent1"/>
+          </a:effectRef>
+          <a:fontRef idx="minor">
+            <a:schemeClr val="tx1"/>
+          </a:fontRef>
+        </p:style>
+      </p:cxnSp>
+      <p:sp>
+        <p:nvSpPr>
+          <p:cNvPr id="160" name="Oval 159">
+            <a:extLst>
+              <a:ext uri="{FF2B5EF4-FFF2-40B4-BE49-F238E27FC236}">
+                <a16:creationId xmlns:a16="http://schemas.microsoft.com/office/drawing/2014/main" id="{CA149BFE-22BC-6543-A984-88921961BE9E}"/>
+              </a:ext>
+            </a:extLst>
+          </p:cNvPr>
+          <p:cNvSpPr/>
+          <p:nvPr/>
+        </p:nvSpPr>
+        <p:spPr>
+          <a:xfrm>
+            <a:off x="1005976" y="3135839"/>
+            <a:ext cx="279785" cy="271815"/>
+          </a:xfrm>
+          <a:prstGeom prst="ellipse">
+            <a:avLst/>
+          </a:prstGeom>
+          <a:solidFill>
+            <a:srgbClr val="00D200"/>
+          </a:solidFill>
+        </p:spPr>
+        <p:style>
+          <a:lnRef idx="2">
+            <a:schemeClr val="accent1">
+              <a:shade val="50000"/>
+            </a:schemeClr>
+          </a:lnRef>
+          <a:fillRef idx="1">
+            <a:schemeClr val="accent1"/>
+          </a:fillRef>
+          <a:effectRef idx="0">
+            <a:schemeClr val="accent1"/>
+          </a:effectRef>
+          <a:fontRef idx="minor">
+            <a:schemeClr val="lt1"/>
+          </a:fontRef>
+        </p:style>
+        <p:txBody>
+          <a:bodyPr rtlCol="0" anchor="ctr"/>
+          <a:lstStyle/>
+          <a:p>
+            <a:pPr algn="ctr"/>
+            <a:r>
+              <a:rPr lang="en-US" dirty="0">
+                <a:solidFill>
+                  <a:schemeClr val="tx1"/>
+                </a:solidFill>
+              </a:rPr>
+              <a:t>1</a:t>
+            </a:r>
+          </a:p>
+        </p:txBody>
+      </p:sp>
+      <p:sp>
+        <p:nvSpPr>
+          <p:cNvPr id="161" name="Oval 160">
+            <a:extLst>
+              <a:ext uri="{FF2B5EF4-FFF2-40B4-BE49-F238E27FC236}">
+                <a16:creationId xmlns:a16="http://schemas.microsoft.com/office/drawing/2014/main" id="{398F9A0F-F42A-D54C-9AD4-14D84B4F781B}"/>
+              </a:ext>
+            </a:extLst>
+          </p:cNvPr>
+          <p:cNvSpPr/>
+          <p:nvPr/>
+        </p:nvSpPr>
+        <p:spPr>
+          <a:xfrm>
+            <a:off x="2964367" y="2961419"/>
+            <a:ext cx="279785" cy="271815"/>
+          </a:xfrm>
+          <a:prstGeom prst="ellipse">
+            <a:avLst/>
+          </a:prstGeom>
+          <a:solidFill>
+            <a:srgbClr val="00D200"/>
+          </a:solidFill>
+        </p:spPr>
+        <p:style>
+          <a:lnRef idx="2">
+            <a:schemeClr val="accent1">
+              <a:shade val="50000"/>
+            </a:schemeClr>
+          </a:lnRef>
+          <a:fillRef idx="1">
+            <a:schemeClr val="accent1"/>
+          </a:fillRef>
+          <a:effectRef idx="0">
+            <a:schemeClr val="accent1"/>
+          </a:effectRef>
+          <a:fontRef idx="minor">
+            <a:schemeClr val="lt1"/>
+          </a:fontRef>
+        </p:style>
+        <p:txBody>
+          <a:bodyPr rtlCol="0" anchor="ctr"/>
+          <a:lstStyle/>
+          <a:p>
+            <a:pPr algn="ctr"/>
+            <a:r>
+              <a:rPr lang="en-US" dirty="0">
+                <a:solidFill>
+                  <a:schemeClr val="tx1"/>
+                </a:solidFill>
+              </a:rPr>
+              <a:t>2</a:t>
+            </a:r>
+          </a:p>
+        </p:txBody>
+      </p:sp>
+      <p:sp>
+        <p:nvSpPr>
+          <p:cNvPr id="162" name="Oval 161">
+            <a:extLst>
+              <a:ext uri="{FF2B5EF4-FFF2-40B4-BE49-F238E27FC236}">
+                <a16:creationId xmlns:a16="http://schemas.microsoft.com/office/drawing/2014/main" id="{4EC9F33E-5F4C-A64B-9366-07F7A59FEE85}"/>
+              </a:ext>
+            </a:extLst>
+          </p:cNvPr>
+          <p:cNvSpPr/>
+          <p:nvPr/>
+        </p:nvSpPr>
+        <p:spPr>
+          <a:xfrm>
+            <a:off x="5044338" y="3015952"/>
+            <a:ext cx="279785" cy="271815"/>
+          </a:xfrm>
+          <a:prstGeom prst="ellipse">
+            <a:avLst/>
+          </a:prstGeom>
+          <a:solidFill>
+            <a:srgbClr val="00D200"/>
+          </a:solidFill>
+        </p:spPr>
+        <p:style>
+          <a:lnRef idx="2">
+            <a:schemeClr val="accent1">
+              <a:shade val="50000"/>
+            </a:schemeClr>
+          </a:lnRef>
+          <a:fillRef idx="1">
+            <a:schemeClr val="accent1"/>
+          </a:fillRef>
+          <a:effectRef idx="0">
+            <a:schemeClr val="accent1"/>
+          </a:effectRef>
+          <a:fontRef idx="minor">
+            <a:schemeClr val="lt1"/>
+          </a:fontRef>
+        </p:style>
+        <p:txBody>
+          <a:bodyPr rtlCol="0" anchor="ctr"/>
+          <a:lstStyle/>
+          <a:p>
+            <a:pPr algn="ctr"/>
+            <a:r>
+              <a:rPr lang="en-US" dirty="0">
+                <a:solidFill>
+                  <a:schemeClr val="tx1"/>
+                </a:solidFill>
+              </a:rPr>
+              <a:t>3</a:t>
+            </a:r>
+          </a:p>
+        </p:txBody>
+      </p:sp>
+      <p:sp>
+        <p:nvSpPr>
+          <p:cNvPr id="164" name="Oval 163">
+            <a:extLst>
+              <a:ext uri="{FF2B5EF4-FFF2-40B4-BE49-F238E27FC236}">
+                <a16:creationId xmlns:a16="http://schemas.microsoft.com/office/drawing/2014/main" id="{BE8C0342-A53F-D24B-8490-B6A4176BC5A9}"/>
+              </a:ext>
+            </a:extLst>
+          </p:cNvPr>
+          <p:cNvSpPr/>
+          <p:nvPr/>
+        </p:nvSpPr>
+        <p:spPr>
+          <a:xfrm>
+            <a:off x="7062211" y="1308622"/>
+            <a:ext cx="279785" cy="271815"/>
+          </a:xfrm>
+          <a:prstGeom prst="ellipse">
+            <a:avLst/>
+          </a:prstGeom>
+          <a:solidFill>
+            <a:srgbClr val="00D200"/>
+          </a:solidFill>
+        </p:spPr>
+        <p:style>
+          <a:lnRef idx="2">
+            <a:schemeClr val="accent1">
+              <a:shade val="50000"/>
+            </a:schemeClr>
+          </a:lnRef>
+          <a:fillRef idx="1">
+            <a:schemeClr val="accent1"/>
+          </a:fillRef>
+          <a:effectRef idx="0">
+            <a:schemeClr val="accent1"/>
+          </a:effectRef>
+          <a:fontRef idx="minor">
+            <a:schemeClr val="lt1"/>
+          </a:fontRef>
+        </p:style>
+        <p:txBody>
+          <a:bodyPr rtlCol="0" anchor="ctr"/>
+          <a:lstStyle/>
+          <a:p>
+            <a:pPr algn="ctr"/>
+            <a:r>
+              <a:rPr lang="en-US" dirty="0">
+                <a:solidFill>
+                  <a:schemeClr val="tx1"/>
+                </a:solidFill>
+              </a:rPr>
+              <a:t>4</a:t>
+            </a:r>
+          </a:p>
+        </p:txBody>
+      </p:sp>
+      <p:sp>
+        <p:nvSpPr>
+          <p:cNvPr id="165" name="Oval 164">
+            <a:extLst>
+              <a:ext uri="{FF2B5EF4-FFF2-40B4-BE49-F238E27FC236}">
+                <a16:creationId xmlns:a16="http://schemas.microsoft.com/office/drawing/2014/main" id="{0706C31A-E4D9-E84E-A610-901CE788AC9E}"/>
+              </a:ext>
+            </a:extLst>
+          </p:cNvPr>
+          <p:cNvSpPr/>
+          <p:nvPr/>
+        </p:nvSpPr>
+        <p:spPr>
+          <a:xfrm>
+            <a:off x="9710848" y="1914823"/>
+            <a:ext cx="279785" cy="271815"/>
+          </a:xfrm>
+          <a:prstGeom prst="ellipse">
+            <a:avLst/>
+          </a:prstGeom>
+          <a:solidFill>
+            <a:srgbClr val="00D200"/>
+          </a:solidFill>
+        </p:spPr>
+        <p:style>
+          <a:lnRef idx="2">
+            <a:schemeClr val="accent1">
+              <a:shade val="50000"/>
+            </a:schemeClr>
+          </a:lnRef>
+          <a:fillRef idx="1">
+            <a:schemeClr val="accent1"/>
+          </a:fillRef>
+          <a:effectRef idx="0">
+            <a:schemeClr val="accent1"/>
+          </a:effectRef>
+          <a:fontRef idx="minor">
+            <a:schemeClr val="lt1"/>
+          </a:fontRef>
+        </p:style>
+        <p:txBody>
+          <a:bodyPr rtlCol="0" anchor="ctr"/>
+          <a:lstStyle/>
+          <a:p>
+            <a:pPr algn="ctr"/>
+            <a:r>
+              <a:rPr lang="en-US" dirty="0">
+                <a:solidFill>
+                  <a:schemeClr val="tx1"/>
+                </a:solidFill>
+              </a:rPr>
+              <a:t>5</a:t>
+            </a:r>
+          </a:p>
+        </p:txBody>
+      </p:sp>
+      <p:sp>
+        <p:nvSpPr>
+          <p:cNvPr id="166" name="Rectangle 165">
+            <a:extLst>
+              <a:ext uri="{FF2B5EF4-FFF2-40B4-BE49-F238E27FC236}">
+                <a16:creationId xmlns:a16="http://schemas.microsoft.com/office/drawing/2014/main" id="{2EB006E9-286C-814C-BB3A-7027718CC7ED}"/>
+              </a:ext>
+            </a:extLst>
+          </p:cNvPr>
+          <p:cNvSpPr/>
+          <p:nvPr/>
+        </p:nvSpPr>
+        <p:spPr>
+          <a:xfrm>
+            <a:off x="4980562" y="3716250"/>
+            <a:ext cx="6928019" cy="2779476"/>
+          </a:xfrm>
+          <a:prstGeom prst="rect">
+            <a:avLst/>
+          </a:prstGeom>
+          <a:noFill/>
+          <a:ln w="12700">
+            <a:solidFill>
+              <a:srgbClr val="1E8900"/>
+            </a:solidFill>
+          </a:ln>
+        </p:spPr>
+        <p:style>
+          <a:lnRef idx="2">
+            <a:schemeClr val="accent1">
+              <a:shade val="50000"/>
+            </a:schemeClr>
+          </a:lnRef>
+          <a:fillRef idx="1">
+            <a:schemeClr val="accent1"/>
+          </a:fillRef>
+          <a:effectRef idx="0">
+            <a:schemeClr val="accent1"/>
+          </a:effectRef>
+          <a:fontRef idx="minor">
+            <a:schemeClr val="lt1"/>
+          </a:fontRef>
+        </p:style>
+        <p:txBody>
+          <a:bodyPr lIns="502920" tIns="91440"/>
+          <a:lstStyle/>
+          <a:p>
+            <a:pPr eaLnBrk="1" fontAlgn="auto" hangingPunct="1">
+              <a:spcBef>
+                <a:spcPts val="0"/>
+              </a:spcBef>
+              <a:spcAft>
+                <a:spcPts val="0"/>
+              </a:spcAft>
+              <a:defRPr/>
+            </a:pPr>
+            <a:r>
+              <a:rPr lang="en-US" sz="2000" dirty="0">
+                <a:ln w="0"/>
+                <a:solidFill>
+                  <a:srgbClr val="1E8900"/>
+                </a:solidFill>
+                <a:latin typeface="Arial" panose="020B0604020202020204" pitchFamily="34" charset="0"/>
+                <a:cs typeface="Arial" panose="020B0604020202020204" pitchFamily="34" charset="0"/>
+              </a:rPr>
+              <a:t>Target Account</a:t>
+            </a:r>
+          </a:p>
+        </p:txBody>
+      </p:sp>
+      <p:pic>
+        <p:nvPicPr>
+          <p:cNvPr id="167" name="Graphic 166">
+            <a:extLst>
+              <a:ext uri="{FF2B5EF4-FFF2-40B4-BE49-F238E27FC236}">
+                <a16:creationId xmlns:a16="http://schemas.microsoft.com/office/drawing/2014/main" id="{169F3769-E416-4C46-898F-96EAA7DBBA93}"/>
+              </a:ext>
+            </a:extLst>
+          </p:cNvPr>
+          <p:cNvPicPr>
+            <a:picLocks noChangeAspect="1"/>
+          </p:cNvPicPr>
+          <p:nvPr/>
+        </p:nvPicPr>
+        <p:blipFill>
+          <a:blip r:embed="rId3">
+            <a:extLst>
+              <a:ext uri="{96DAC541-7B7A-43D3-8B79-37D633B846F1}">
+                <asvg:svgBlip xmlns:asvg="http://schemas.microsoft.com/office/drawing/2016/SVG/main" r:embed="rId4"/>
+              </a:ext>
+            </a:extLst>
+          </a:blip>
+          <a:stretch>
+            <a:fillRect/>
+          </a:stretch>
+        </p:blipFill>
+        <p:spPr>
+          <a:xfrm>
+            <a:off x="4980563" y="3729685"/>
+            <a:ext cx="381000" cy="381000"/>
+          </a:xfrm>
+          <a:prstGeom prst="rect">
+            <a:avLst/>
+          </a:prstGeom>
+        </p:spPr>
+      </p:pic>
+      <p:pic>
+        <p:nvPicPr>
+          <p:cNvPr id="168" name="Graphic 19">
+            <a:extLst>
+              <a:ext uri="{FF2B5EF4-FFF2-40B4-BE49-F238E27FC236}">
+                <a16:creationId xmlns:a16="http://schemas.microsoft.com/office/drawing/2014/main" id="{DB8E5DD6-2F76-CD45-99D1-F6975B0C9809}"/>
+              </a:ext>
+            </a:extLst>
+          </p:cNvPr>
+          <p:cNvPicPr>
+            <a:picLocks noChangeAspect="1" noChangeArrowheads="1"/>
+          </p:cNvPicPr>
+          <p:nvPr/>
+        </p:nvPicPr>
+        <p:blipFill>
+          <a:blip r:embed="rId5">
+            <a:extLst>
+              <a:ext uri="{28A0092B-C50C-407E-A947-70E740481C1C}">
+                <a14:useLocalDpi xmlns:a14="http://schemas.microsoft.com/office/drawing/2010/main" val="0"/>
+              </a:ext>
+            </a:extLst>
+          </a:blip>
+          <a:srcRect/>
+          <a:stretch>
+            <a:fillRect/>
+          </a:stretch>
+        </p:blipFill>
+        <p:spPr bwMode="auto">
+          <a:xfrm>
+            <a:off x="7313254" y="4871038"/>
+            <a:ext cx="620405" cy="620405"/>
+          </a:xfrm>
+          <a:prstGeom prst="rect">
+            <a:avLst/>
+          </a:prstGeom>
+          <a:noFill/>
+          <a:ln>
+            <a:noFill/>
+          </a:ln>
+          <a:extLst>
+            <a:ext uri="{909E8E84-426E-40DD-AFC4-6F175D3DCCD1}">
+              <a14:hiddenFill xmlns:a14="http://schemas.microsoft.com/office/drawing/2010/main">
+                <a:solidFill>
+                  <a:srgbClr val="FFFFFF"/>
+                </a:solidFill>
+              </a14:hiddenFill>
+            </a:ext>
+            <a:ext uri="{91240B29-F687-4F45-9708-019B960494DF}">
+              <a14:hiddenLine xmlns:a14="http://schemas.microsoft.com/office/drawing/2010/main" w="9525">
+                <a:solidFill>
+                  <a:srgbClr val="000000"/>
+                </a:solidFill>
+                <a:miter lim="800000"/>
+                <a:headEnd/>
+                <a:tailEnd/>
+              </a14:hiddenLine>
+            </a:ext>
+          </a:extLst>
+        </p:spPr>
+      </p:pic>
+      <p:pic>
+        <p:nvPicPr>
+          <p:cNvPr id="169" name="Graphic 26">
+            <a:extLst>
+              <a:ext uri="{FF2B5EF4-FFF2-40B4-BE49-F238E27FC236}">
+                <a16:creationId xmlns:a16="http://schemas.microsoft.com/office/drawing/2014/main" id="{961033C5-30ED-6B4C-9C09-FCA0477FC2E4}"/>
+              </a:ext>
+            </a:extLst>
+          </p:cNvPr>
+          <p:cNvPicPr>
+            <a:picLocks noChangeAspect="1" noChangeArrowheads="1"/>
+          </p:cNvPicPr>
+          <p:nvPr/>
+        </p:nvPicPr>
+        <p:blipFill>
+          <a:blip r:embed="rId6">
+            <a:extLst>
+              <a:ext uri="{28A0092B-C50C-407E-A947-70E740481C1C}">
+                <a14:useLocalDpi xmlns:a14="http://schemas.microsoft.com/office/drawing/2010/main" val="0"/>
+              </a:ext>
+            </a:extLst>
+          </a:blip>
+          <a:srcRect/>
+          <a:stretch>
+            <a:fillRect/>
+          </a:stretch>
+        </p:blipFill>
+        <p:spPr bwMode="auto">
+          <a:xfrm>
+            <a:off x="8925342" y="3882085"/>
+            <a:ext cx="457200" cy="457200"/>
+          </a:xfrm>
+          <a:prstGeom prst="rect">
+            <a:avLst/>
+          </a:prstGeom>
+          <a:noFill/>
+          <a:ln>
+            <a:noFill/>
+          </a:ln>
+          <a:extLst>
+            <a:ext uri="{909E8E84-426E-40DD-AFC4-6F175D3DCCD1}">
+              <a14:hiddenFill xmlns:a14="http://schemas.microsoft.com/office/drawing/2010/main">
+                <a:solidFill>
+                  <a:srgbClr val="FFFFFF"/>
+                </a:solidFill>
+              </a14:hiddenFill>
+            </a:ext>
+            <a:ext uri="{91240B29-F687-4F45-9708-019B960494DF}">
+              <a14:hiddenLine xmlns:a14="http://schemas.microsoft.com/office/drawing/2010/main" w="9525">
+                <a:solidFill>
+                  <a:srgbClr val="000000"/>
+                </a:solidFill>
+                <a:miter lim="800000"/>
+                <a:headEnd/>
+                <a:tailEnd/>
+              </a14:hiddenLine>
+            </a:ext>
+          </a:extLst>
+        </p:spPr>
+      </p:pic>
+      <p:pic>
+        <p:nvPicPr>
+          <p:cNvPr id="170" name="Graphic 49">
+            <a:extLst>
+              <a:ext uri="{FF2B5EF4-FFF2-40B4-BE49-F238E27FC236}">
+                <a16:creationId xmlns:a16="http://schemas.microsoft.com/office/drawing/2014/main" id="{B3435F32-B8D3-8948-94F1-2A1EABD0D7A5}"/>
+              </a:ext>
+            </a:extLst>
+          </p:cNvPr>
+          <p:cNvPicPr>
+            <a:picLocks noChangeAspect="1" noChangeArrowheads="1"/>
+          </p:cNvPicPr>
+          <p:nvPr/>
+        </p:nvPicPr>
+        <p:blipFill>
+          <a:blip r:embed="rId7">
+            <a:extLst>
+              <a:ext uri="{28A0092B-C50C-407E-A947-70E740481C1C}">
+                <a14:useLocalDpi xmlns:a14="http://schemas.microsoft.com/office/drawing/2010/main" val="0"/>
+              </a:ext>
+            </a:extLst>
+          </a:blip>
+          <a:srcRect/>
+          <a:stretch>
+            <a:fillRect/>
+          </a:stretch>
+        </p:blipFill>
+        <p:spPr bwMode="auto">
+          <a:xfrm>
+            <a:off x="5441921" y="4871038"/>
+            <a:ext cx="620405" cy="620405"/>
+          </a:xfrm>
+          <a:prstGeom prst="rect">
+            <a:avLst/>
+          </a:prstGeom>
+          <a:noFill/>
+          <a:ln>
+            <a:noFill/>
+          </a:ln>
+          <a:extLst>
+            <a:ext uri="{909E8E84-426E-40DD-AFC4-6F175D3DCCD1}">
+              <a14:hiddenFill xmlns:a14="http://schemas.microsoft.com/office/drawing/2010/main">
+                <a:solidFill>
+                  <a:srgbClr val="FFFFFF"/>
+                </a:solidFill>
+              </a14:hiddenFill>
+            </a:ext>
+            <a:ext uri="{91240B29-F687-4F45-9708-019B960494DF}">
+              <a14:hiddenLine xmlns:a14="http://schemas.microsoft.com/office/drawing/2010/main" w="9525">
+                <a:solidFill>
+                  <a:srgbClr val="000000"/>
+                </a:solidFill>
+                <a:miter lim="800000"/>
+                <a:headEnd/>
+                <a:tailEnd/>
+              </a14:hiddenLine>
+            </a:ext>
+          </a:extLst>
+        </p:spPr>
+      </p:pic>
+      <p:sp>
+        <p:nvSpPr>
+          <p:cNvPr id="171" name="TextBox 29">
+            <a:extLst>
+              <a:ext uri="{FF2B5EF4-FFF2-40B4-BE49-F238E27FC236}">
+                <a16:creationId xmlns:a16="http://schemas.microsoft.com/office/drawing/2014/main" id="{85584B6D-0690-9747-BC5D-391C77FD4858}"/>
+              </a:ext>
+            </a:extLst>
+          </p:cNvPr>
+          <p:cNvSpPr txBox="1">
+            <a:spLocks noChangeArrowheads="1"/>
+          </p:cNvSpPr>
+          <p:nvPr/>
+        </p:nvSpPr>
+        <p:spPr bwMode="auto">
+          <a:xfrm>
+            <a:off x="4938802" y="5335548"/>
+            <a:ext cx="1685925" cy="646331"/>
+          </a:xfrm>
+          <a:prstGeom prst="rect">
+            <a:avLst/>
+          </a:prstGeom>
+          <a:noFill/>
+          <a:ln>
+            <a:noFill/>
+          </a:ln>
+          <a:extLst>
+            <a:ext uri="{909E8E84-426E-40DD-AFC4-6F175D3DCCD1}">
+              <a14:hiddenFill xmlns:a14="http://schemas.microsoft.com/office/drawing/2010/main">
+                <a:solidFill>
+                  <a:srgbClr val="FFFFFF"/>
+                </a:solidFill>
+              </a14:hiddenFill>
+            </a:ext>
+            <a:ext uri="{91240B29-F687-4F45-9708-019B960494DF}">
+              <a14:hiddenLine xmlns:a14="http://schemas.microsoft.com/office/drawing/2010/main" w="9525">
+                <a:solidFill>
+                  <a:srgbClr val="000000"/>
+                </a:solidFill>
+                <a:miter lim="800000"/>
+                <a:headEnd/>
+                <a:tailEnd/>
+              </a14:hiddenLine>
+            </a:ext>
+          </a:extLst>
+        </p:spPr>
+        <p:txBody>
+          <a:bodyPr>
+            <a:spAutoFit/>
+          </a:bodyPr>
+          <a:lstStyle>
+            <a:lvl1pPr>
+              <a:defRPr>
+                <a:solidFill>
+                  <a:schemeClr val="tx1"/>
+                </a:solidFill>
+                <a:latin typeface="Calibri" panose="020F0502020204030204" pitchFamily="34" charset="0"/>
+              </a:defRPr>
+            </a:lvl1pPr>
+            <a:lvl2pPr marL="742950" indent="-285750">
+              <a:defRPr>
+                <a:solidFill>
+                  <a:schemeClr val="tx1"/>
+                </a:solidFill>
+                <a:latin typeface="Calibri" panose="020F0502020204030204" pitchFamily="34" charset="0"/>
+              </a:defRPr>
+            </a:lvl2pPr>
+            <a:lvl3pPr marL="1143000" indent="-228600">
+              <a:defRPr>
+                <a:solidFill>
+                  <a:schemeClr val="tx1"/>
+                </a:solidFill>
+                <a:latin typeface="Calibri" panose="020F0502020204030204" pitchFamily="34" charset="0"/>
+              </a:defRPr>
+            </a:lvl3pPr>
+            <a:lvl4pPr marL="1600200" indent="-228600">
+              <a:defRPr>
+                <a:solidFill>
+                  <a:schemeClr val="tx1"/>
+                </a:solidFill>
+                <a:latin typeface="Calibri" panose="020F0502020204030204" pitchFamily="34" charset="0"/>
+              </a:defRPr>
+            </a:lvl4pPr>
+            <a:lvl5pPr marL="2057400" indent="-228600">
+              <a:defRPr>
+                <a:solidFill>
+                  <a:schemeClr val="tx1"/>
+                </a:solidFill>
+                <a:latin typeface="Calibri" panose="020F0502020204030204" pitchFamily="34" charset="0"/>
+              </a:defRPr>
+            </a:lvl5pPr>
+            <a:lvl6pPr marL="2514600" indent="-228600" eaLnBrk="0" fontAlgn="base" hangingPunct="0">
+              <a:spcBef>
+                <a:spcPct val="0"/>
+              </a:spcBef>
+              <a:spcAft>
+                <a:spcPct val="0"/>
+              </a:spcAft>
+              <a:defRPr>
+                <a:solidFill>
+                  <a:schemeClr val="tx1"/>
+                </a:solidFill>
+                <a:latin typeface="Calibri" panose="020F0502020204030204" pitchFamily="34" charset="0"/>
+              </a:defRPr>
+            </a:lvl6pPr>
+            <a:lvl7pPr marL="2971800" indent="-228600" eaLnBrk="0" fontAlgn="base" hangingPunct="0">
+              <a:spcBef>
+                <a:spcPct val="0"/>
+              </a:spcBef>
+              <a:spcAft>
+                <a:spcPct val="0"/>
+              </a:spcAft>
+              <a:defRPr>
+                <a:solidFill>
+                  <a:schemeClr val="tx1"/>
+                </a:solidFill>
+                <a:latin typeface="Calibri" panose="020F0502020204030204" pitchFamily="34" charset="0"/>
+              </a:defRPr>
+            </a:lvl7pPr>
+            <a:lvl8pPr marL="3429000" indent="-228600" eaLnBrk="0" fontAlgn="base" hangingPunct="0">
+              <a:spcBef>
+                <a:spcPct val="0"/>
+              </a:spcBef>
+              <a:spcAft>
+                <a:spcPct val="0"/>
+              </a:spcAft>
+              <a:defRPr>
+                <a:solidFill>
+                  <a:schemeClr val="tx1"/>
+                </a:solidFill>
+                <a:latin typeface="Calibri" panose="020F0502020204030204" pitchFamily="34" charset="0"/>
+              </a:defRPr>
+            </a:lvl8pPr>
+            <a:lvl9pPr marL="3886200" indent="-228600" eaLnBrk="0" fontAlgn="base" hangingPunct="0">
+              <a:spcBef>
+                <a:spcPct val="0"/>
+              </a:spcBef>
+              <a:spcAft>
+                <a:spcPct val="0"/>
+              </a:spcAft>
+              <a:defRPr>
+                <a:solidFill>
+                  <a:schemeClr val="tx1"/>
+                </a:solidFill>
+                <a:latin typeface="Calibri" panose="020F0502020204030204" pitchFamily="34" charset="0"/>
+              </a:defRPr>
+            </a:lvl9pPr>
+          </a:lstStyle>
+          <a:p>
+            <a:pPr algn="ctr" eaLnBrk="1" hangingPunct="1"/>
+            <a:r>
+              <a:rPr lang="en-US" altLang="en-US" dirty="0">
+                <a:latin typeface="Arial" panose="020B0604020202020204" pitchFamily="34" charset="0"/>
+                <a:ea typeface="Amazon Ember" panose="020B0603020204020204" pitchFamily="34" charset="0"/>
+                <a:cs typeface="Arial" panose="020B0604020202020204" pitchFamily="34" charset="0"/>
+              </a:rPr>
+              <a:t>Deployment </a:t>
+            </a:r>
+          </a:p>
+          <a:p>
+            <a:pPr algn="ctr" eaLnBrk="1" hangingPunct="1"/>
+            <a:r>
+              <a:rPr lang="en-US" altLang="en-US" dirty="0">
+                <a:latin typeface="Arial" panose="020B0604020202020204" pitchFamily="34" charset="0"/>
+                <a:ea typeface="Amazon Ember" panose="020B0603020204020204" pitchFamily="34" charset="0"/>
+                <a:cs typeface="Arial" panose="020B0604020202020204" pitchFamily="34" charset="0"/>
+              </a:rPr>
+              <a:t>Role</a:t>
+            </a:r>
+          </a:p>
+        </p:txBody>
+      </p:sp>
+      <p:sp>
+        <p:nvSpPr>
+          <p:cNvPr id="172" name="TextBox 29">
+            <a:extLst>
+              <a:ext uri="{FF2B5EF4-FFF2-40B4-BE49-F238E27FC236}">
+                <a16:creationId xmlns:a16="http://schemas.microsoft.com/office/drawing/2014/main" id="{1A2EC596-A18D-A240-B157-F7D776BEA567}"/>
+              </a:ext>
+            </a:extLst>
+          </p:cNvPr>
+          <p:cNvSpPr txBox="1">
+            <a:spLocks noChangeArrowheads="1"/>
+          </p:cNvSpPr>
+          <p:nvPr/>
+        </p:nvSpPr>
+        <p:spPr bwMode="auto">
+          <a:xfrm>
+            <a:off x="7369321" y="5290111"/>
+            <a:ext cx="3696511" cy="923330"/>
+          </a:xfrm>
+          <a:prstGeom prst="rect">
+            <a:avLst/>
+          </a:prstGeom>
+          <a:noFill/>
+          <a:ln>
+            <a:noFill/>
+          </a:ln>
+          <a:extLst>
+            <a:ext uri="{909E8E84-426E-40DD-AFC4-6F175D3DCCD1}">
+              <a14:hiddenFill xmlns:a14="http://schemas.microsoft.com/office/drawing/2010/main">
+                <a:solidFill>
+                  <a:srgbClr val="FFFFFF"/>
+                </a:solidFill>
+              </a14:hiddenFill>
+            </a:ext>
+            <a:ext uri="{91240B29-F687-4F45-9708-019B960494DF}">
+              <a14:hiddenLine xmlns:a14="http://schemas.microsoft.com/office/drawing/2010/main" w="9525">
+                <a:solidFill>
+                  <a:srgbClr val="000000"/>
+                </a:solidFill>
+                <a:miter lim="800000"/>
+                <a:headEnd/>
+                <a:tailEnd/>
+              </a14:hiddenLine>
+            </a:ext>
+          </a:extLst>
+        </p:spPr>
+        <p:txBody>
+          <a:bodyPr wrap="square">
+            <a:spAutoFit/>
+          </a:bodyPr>
+          <a:lstStyle>
+            <a:lvl1pPr>
+              <a:defRPr>
+                <a:solidFill>
+                  <a:schemeClr val="tx1"/>
+                </a:solidFill>
+                <a:latin typeface="Calibri" panose="020F0502020204030204" pitchFamily="34" charset="0"/>
+              </a:defRPr>
+            </a:lvl1pPr>
+            <a:lvl2pPr marL="742950" indent="-285750">
+              <a:defRPr>
+                <a:solidFill>
+                  <a:schemeClr val="tx1"/>
+                </a:solidFill>
+                <a:latin typeface="Calibri" panose="020F0502020204030204" pitchFamily="34" charset="0"/>
+              </a:defRPr>
+            </a:lvl2pPr>
+            <a:lvl3pPr marL="1143000" indent="-228600">
+              <a:defRPr>
+                <a:solidFill>
+                  <a:schemeClr val="tx1"/>
+                </a:solidFill>
+                <a:latin typeface="Calibri" panose="020F0502020204030204" pitchFamily="34" charset="0"/>
+              </a:defRPr>
+            </a:lvl3pPr>
+            <a:lvl4pPr marL="1600200" indent="-228600">
+              <a:defRPr>
+                <a:solidFill>
+                  <a:schemeClr val="tx1"/>
+                </a:solidFill>
+                <a:latin typeface="Calibri" panose="020F0502020204030204" pitchFamily="34" charset="0"/>
+              </a:defRPr>
+            </a:lvl4pPr>
+            <a:lvl5pPr marL="2057400" indent="-228600">
+              <a:defRPr>
+                <a:solidFill>
+                  <a:schemeClr val="tx1"/>
+                </a:solidFill>
+                <a:latin typeface="Calibri" panose="020F0502020204030204" pitchFamily="34" charset="0"/>
+              </a:defRPr>
+            </a:lvl5pPr>
+            <a:lvl6pPr marL="2514600" indent="-228600" eaLnBrk="0" fontAlgn="base" hangingPunct="0">
+              <a:spcBef>
+                <a:spcPct val="0"/>
+              </a:spcBef>
+              <a:spcAft>
+                <a:spcPct val="0"/>
+              </a:spcAft>
+              <a:defRPr>
+                <a:solidFill>
+                  <a:schemeClr val="tx1"/>
+                </a:solidFill>
+                <a:latin typeface="Calibri" panose="020F0502020204030204" pitchFamily="34" charset="0"/>
+              </a:defRPr>
+            </a:lvl6pPr>
+            <a:lvl7pPr marL="2971800" indent="-228600" eaLnBrk="0" fontAlgn="base" hangingPunct="0">
+              <a:spcBef>
+                <a:spcPct val="0"/>
+              </a:spcBef>
+              <a:spcAft>
+                <a:spcPct val="0"/>
+              </a:spcAft>
+              <a:defRPr>
+                <a:solidFill>
+                  <a:schemeClr val="tx1"/>
+                </a:solidFill>
+                <a:latin typeface="Calibri" panose="020F0502020204030204" pitchFamily="34" charset="0"/>
+              </a:defRPr>
+            </a:lvl7pPr>
+            <a:lvl8pPr marL="3429000" indent="-228600" eaLnBrk="0" fontAlgn="base" hangingPunct="0">
+              <a:spcBef>
+                <a:spcPct val="0"/>
+              </a:spcBef>
+              <a:spcAft>
+                <a:spcPct val="0"/>
+              </a:spcAft>
+              <a:defRPr>
+                <a:solidFill>
+                  <a:schemeClr val="tx1"/>
+                </a:solidFill>
+                <a:latin typeface="Calibri" panose="020F0502020204030204" pitchFamily="34" charset="0"/>
+              </a:defRPr>
+            </a:lvl8pPr>
+            <a:lvl9pPr marL="3886200" indent="-228600" eaLnBrk="0" fontAlgn="base" hangingPunct="0">
+              <a:spcBef>
+                <a:spcPct val="0"/>
+              </a:spcBef>
+              <a:spcAft>
+                <a:spcPct val="0"/>
+              </a:spcAft>
+              <a:defRPr>
+                <a:solidFill>
+                  <a:schemeClr val="tx1"/>
+                </a:solidFill>
+                <a:latin typeface="Calibri" panose="020F0502020204030204" pitchFamily="34" charset="0"/>
+              </a:defRPr>
+            </a:lvl9pPr>
+          </a:lstStyle>
+          <a:p>
+            <a:pPr algn="ctr" eaLnBrk="1" hangingPunct="1"/>
+            <a:r>
+              <a:rPr lang="en-US" altLang="en-US" dirty="0">
+                <a:latin typeface="Arial" panose="020B0604020202020204" pitchFamily="34" charset="0"/>
+                <a:ea typeface="Amazon Ember" panose="020B0603020204020204" pitchFamily="34" charset="0"/>
+                <a:cs typeface="Arial" panose="020B0604020202020204" pitchFamily="34" charset="0"/>
+              </a:rPr>
+              <a:t>Module </a:t>
+            </a:r>
+          </a:p>
+          <a:p>
+            <a:pPr algn="ctr" eaLnBrk="1" hangingPunct="1"/>
+            <a:r>
+              <a:rPr lang="en-US" altLang="en-US" dirty="0">
+                <a:latin typeface="Arial" panose="020B0604020202020204" pitchFamily="34" charset="0"/>
+                <a:ea typeface="Amazon Ember" panose="020B0603020204020204" pitchFamily="34" charset="0"/>
+                <a:cs typeface="Arial" panose="020B0604020202020204" pitchFamily="34" charset="0"/>
+              </a:rPr>
+              <a:t>Deployment </a:t>
+            </a:r>
+          </a:p>
+          <a:p>
+            <a:pPr algn="ctr" eaLnBrk="1" hangingPunct="1"/>
+            <a:r>
+              <a:rPr lang="en-US" altLang="en-US" dirty="0">
+                <a:latin typeface="Arial" panose="020B0604020202020204" pitchFamily="34" charset="0"/>
+                <a:ea typeface="Amazon Ember" panose="020B0603020204020204" pitchFamily="34" charset="0"/>
+                <a:cs typeface="Arial" panose="020B0604020202020204" pitchFamily="34" charset="0"/>
+              </a:rPr>
+              <a:t>Role</a:t>
+            </a:r>
+          </a:p>
+        </p:txBody>
+      </p:sp>
+      <p:pic>
+        <p:nvPicPr>
+          <p:cNvPr id="173" name="Graphic 15">
+            <a:extLst>
+              <a:ext uri="{FF2B5EF4-FFF2-40B4-BE49-F238E27FC236}">
+                <a16:creationId xmlns:a16="http://schemas.microsoft.com/office/drawing/2014/main" id="{4F9B7EE4-DD84-CB45-860C-7529CB67BFE0}"/>
+              </a:ext>
+            </a:extLst>
+          </p:cNvPr>
+          <p:cNvPicPr>
+            <a:picLocks noChangeAspect="1" noChangeArrowheads="1"/>
+          </p:cNvPicPr>
+          <p:nvPr/>
+        </p:nvPicPr>
+        <p:blipFill>
+          <a:blip r:embed="rId8">
+            <a:extLst>
+              <a:ext uri="{96DAC541-7B7A-43D3-8B79-37D633B846F1}">
+                <asvg:svgBlip xmlns:asvg="http://schemas.microsoft.com/office/drawing/2016/SVG/main" r:embed="rId9"/>
+              </a:ext>
+            </a:extLst>
+          </a:blip>
+          <a:srcRect/>
+          <a:stretch/>
+        </p:blipFill>
+        <p:spPr bwMode="auto">
+          <a:xfrm>
+            <a:off x="10825381" y="4894542"/>
+            <a:ext cx="469900" cy="469900"/>
+          </a:xfrm>
+          <a:prstGeom prst="rect">
+            <a:avLst/>
+          </a:prstGeom>
+          <a:noFill/>
+          <a:ln>
+            <a:noFill/>
+          </a:ln>
+          <a:extLst>
+            <a:ext uri="{909E8E84-426E-40DD-AFC4-6F175D3DCCD1}">
+              <a14:hiddenFill xmlns:a14="http://schemas.microsoft.com/office/drawing/2010/main">
+                <a:solidFill>
+                  <a:srgbClr val="FFFFFF"/>
+                </a:solidFill>
+              </a14:hiddenFill>
+            </a:ext>
+            <a:ext uri="{91240B29-F687-4F45-9708-019B960494DF}">
+              <a14:hiddenLine xmlns:a14="http://schemas.microsoft.com/office/drawing/2010/main" w="9525">
+                <a:solidFill>
+                  <a:srgbClr val="000000"/>
+                </a:solidFill>
+                <a:miter lim="800000"/>
+                <a:headEnd/>
+                <a:tailEnd/>
+              </a14:hiddenLine>
+            </a:ext>
+          </a:extLst>
+        </p:spPr>
+      </p:pic>
+      <p:cxnSp>
+        <p:nvCxnSpPr>
+          <p:cNvPr id="174" name="Straight Arrow Connector 173">
+            <a:extLst>
+              <a:ext uri="{FF2B5EF4-FFF2-40B4-BE49-F238E27FC236}">
+                <a16:creationId xmlns:a16="http://schemas.microsoft.com/office/drawing/2014/main" id="{5EE2767C-F647-8A47-9776-83CC787568A2}"/>
+              </a:ext>
+            </a:extLst>
+          </p:cNvPr>
+          <p:cNvCxnSpPr>
+            <a:cxnSpLocks/>
+          </p:cNvCxnSpPr>
+          <p:nvPr/>
+        </p:nvCxnSpPr>
+        <p:spPr>
+          <a:xfrm>
+            <a:off x="6096000" y="5201514"/>
+            <a:ext cx="1096287" cy="0"/>
+          </a:xfrm>
+          <a:prstGeom prst="straightConnector1">
+            <a:avLst/>
+          </a:prstGeom>
+          <a:ln w="12700">
+            <a:solidFill>
+              <a:srgbClr val="8FA7C4"/>
+            </a:solidFill>
+            <a:headEnd type="none" w="med" len="sm"/>
+            <a:tailEnd type="arrow" w="med" len="sm"/>
+          </a:ln>
+        </p:spPr>
+        <p:style>
+          <a:lnRef idx="1">
+            <a:schemeClr val="accent1"/>
+          </a:lnRef>
+          <a:fillRef idx="0">
+            <a:schemeClr val="accent1"/>
+          </a:fillRef>
+          <a:effectRef idx="0">
+            <a:schemeClr val="accent1"/>
+          </a:effectRef>
+          <a:fontRef idx="minor">
+            <a:schemeClr val="tx1"/>
+          </a:fontRef>
+        </p:style>
+      </p:cxnSp>
+      <p:cxnSp>
+        <p:nvCxnSpPr>
+          <p:cNvPr id="175" name="Straight Arrow Connector 174">
+            <a:extLst>
+              <a:ext uri="{FF2B5EF4-FFF2-40B4-BE49-F238E27FC236}">
+                <a16:creationId xmlns:a16="http://schemas.microsoft.com/office/drawing/2014/main" id="{35C72603-D182-E84C-B3E6-1D2BE0C342E2}"/>
+              </a:ext>
+            </a:extLst>
+          </p:cNvPr>
+          <p:cNvCxnSpPr>
+            <a:cxnSpLocks/>
+            <a:endCxn id="169" idx="1"/>
+          </p:cNvCxnSpPr>
+          <p:nvPr/>
+        </p:nvCxnSpPr>
+        <p:spPr>
+          <a:xfrm flipV="1">
+            <a:off x="5865779" y="4110685"/>
+            <a:ext cx="3059563" cy="826997"/>
+          </a:xfrm>
+          <a:prstGeom prst="straightConnector1">
+            <a:avLst/>
+          </a:prstGeom>
+          <a:ln w="12700">
+            <a:solidFill>
+              <a:srgbClr val="8FA7C4"/>
+            </a:solidFill>
+            <a:headEnd type="none" w="med" len="sm"/>
+            <a:tailEnd type="arrow" w="med" len="sm"/>
+          </a:ln>
+        </p:spPr>
+        <p:style>
+          <a:lnRef idx="1">
+            <a:schemeClr val="accent1"/>
+          </a:lnRef>
+          <a:fillRef idx="0">
+            <a:schemeClr val="accent1"/>
+          </a:fillRef>
+          <a:effectRef idx="0">
+            <a:schemeClr val="accent1"/>
+          </a:effectRef>
+          <a:fontRef idx="minor">
+            <a:schemeClr val="tx1"/>
+          </a:fontRef>
+        </p:style>
+      </p:cxnSp>
+      <p:sp>
+        <p:nvSpPr>
+          <p:cNvPr id="176" name="TextBox 23">
+            <a:extLst>
+              <a:ext uri="{FF2B5EF4-FFF2-40B4-BE49-F238E27FC236}">
+                <a16:creationId xmlns:a16="http://schemas.microsoft.com/office/drawing/2014/main" id="{F82D36D1-9B72-5841-8930-1536492235D1}"/>
+              </a:ext>
+            </a:extLst>
+          </p:cNvPr>
+          <p:cNvSpPr txBox="1">
+            <a:spLocks noChangeArrowheads="1"/>
+          </p:cNvSpPr>
+          <p:nvPr/>
+        </p:nvSpPr>
+        <p:spPr bwMode="auto">
+          <a:xfrm>
+            <a:off x="7733996" y="4317277"/>
+            <a:ext cx="979417" cy="523220"/>
+          </a:xfrm>
+          <a:prstGeom prst="rect">
+            <a:avLst/>
+          </a:prstGeom>
+          <a:noFill/>
+          <a:ln>
+            <a:noFill/>
+          </a:ln>
+          <a:extLst>
+            <a:ext uri="{909E8E84-426E-40DD-AFC4-6F175D3DCCD1}">
+              <a14:hiddenFill xmlns:a14="http://schemas.microsoft.com/office/drawing/2010/main">
+                <a:solidFill>
+                  <a:srgbClr val="FFFFFF"/>
+                </a:solidFill>
+              </a14:hiddenFill>
+            </a:ext>
+            <a:ext uri="{91240B29-F687-4F45-9708-019B960494DF}">
+              <a14:hiddenLine xmlns:a14="http://schemas.microsoft.com/office/drawing/2010/main" w="9525">
+                <a:solidFill>
+                  <a:srgbClr val="000000"/>
+                </a:solidFill>
+                <a:miter lim="800000"/>
+                <a:headEnd/>
+                <a:tailEnd/>
+              </a14:hiddenLine>
+            </a:ext>
+          </a:extLst>
+        </p:spPr>
+        <p:txBody>
+          <a:bodyPr wrap="square">
+            <a:spAutoFit/>
+          </a:bodyPr>
+          <a:lstStyle>
+            <a:lvl1pPr>
+              <a:defRPr>
+                <a:solidFill>
+                  <a:schemeClr val="tx1"/>
+                </a:solidFill>
+                <a:latin typeface="Calibri" panose="020F0502020204030204" pitchFamily="34" charset="0"/>
+              </a:defRPr>
+            </a:lvl1pPr>
+            <a:lvl2pPr marL="742950" indent="-285750">
+              <a:defRPr>
+                <a:solidFill>
+                  <a:schemeClr val="tx1"/>
+                </a:solidFill>
+                <a:latin typeface="Calibri" panose="020F0502020204030204" pitchFamily="34" charset="0"/>
+              </a:defRPr>
+            </a:lvl2pPr>
+            <a:lvl3pPr marL="1143000" indent="-228600">
+              <a:defRPr>
+                <a:solidFill>
+                  <a:schemeClr val="tx1"/>
+                </a:solidFill>
+                <a:latin typeface="Calibri" panose="020F0502020204030204" pitchFamily="34" charset="0"/>
+              </a:defRPr>
+            </a:lvl3pPr>
+            <a:lvl4pPr marL="1600200" indent="-228600">
+              <a:defRPr>
+                <a:solidFill>
+                  <a:schemeClr val="tx1"/>
+                </a:solidFill>
+                <a:latin typeface="Calibri" panose="020F0502020204030204" pitchFamily="34" charset="0"/>
+              </a:defRPr>
+            </a:lvl4pPr>
+            <a:lvl5pPr marL="2057400" indent="-228600">
+              <a:defRPr>
+                <a:solidFill>
+                  <a:schemeClr val="tx1"/>
+                </a:solidFill>
+                <a:latin typeface="Calibri" panose="020F0502020204030204" pitchFamily="34" charset="0"/>
+              </a:defRPr>
+            </a:lvl5pPr>
+            <a:lvl6pPr marL="2514600" indent="-228600" eaLnBrk="0" fontAlgn="base" hangingPunct="0">
+              <a:spcBef>
+                <a:spcPct val="0"/>
+              </a:spcBef>
+              <a:spcAft>
+                <a:spcPct val="0"/>
+              </a:spcAft>
+              <a:defRPr>
+                <a:solidFill>
+                  <a:schemeClr val="tx1"/>
+                </a:solidFill>
+                <a:latin typeface="Calibri" panose="020F0502020204030204" pitchFamily="34" charset="0"/>
+              </a:defRPr>
+            </a:lvl6pPr>
+            <a:lvl7pPr marL="2971800" indent="-228600" eaLnBrk="0" fontAlgn="base" hangingPunct="0">
+              <a:spcBef>
+                <a:spcPct val="0"/>
+              </a:spcBef>
+              <a:spcAft>
+                <a:spcPct val="0"/>
+              </a:spcAft>
+              <a:defRPr>
+                <a:solidFill>
+                  <a:schemeClr val="tx1"/>
+                </a:solidFill>
+                <a:latin typeface="Calibri" panose="020F0502020204030204" pitchFamily="34" charset="0"/>
+              </a:defRPr>
+            </a:lvl7pPr>
+            <a:lvl8pPr marL="3429000" indent="-228600" eaLnBrk="0" fontAlgn="base" hangingPunct="0">
+              <a:spcBef>
+                <a:spcPct val="0"/>
+              </a:spcBef>
+              <a:spcAft>
+                <a:spcPct val="0"/>
+              </a:spcAft>
+              <a:defRPr>
+                <a:solidFill>
+                  <a:schemeClr val="tx1"/>
+                </a:solidFill>
+                <a:latin typeface="Calibri" panose="020F0502020204030204" pitchFamily="34" charset="0"/>
+              </a:defRPr>
+            </a:lvl8pPr>
+            <a:lvl9pPr marL="3886200" indent="-228600" eaLnBrk="0" fontAlgn="base" hangingPunct="0">
+              <a:spcBef>
+                <a:spcPct val="0"/>
+              </a:spcBef>
+              <a:spcAft>
+                <a:spcPct val="0"/>
+              </a:spcAft>
+              <a:defRPr>
+                <a:solidFill>
+                  <a:schemeClr val="tx1"/>
+                </a:solidFill>
+                <a:latin typeface="Calibri" panose="020F0502020204030204" pitchFamily="34" charset="0"/>
+              </a:defRPr>
+            </a:lvl9pPr>
+          </a:lstStyle>
+          <a:p>
+            <a:pPr algn="ctr" eaLnBrk="1" hangingPunct="1"/>
+            <a:r>
+              <a:rPr lang="en-US" altLang="en-US" sz="1400" dirty="0">
+                <a:latin typeface="Arial" panose="020B0604020202020204" pitchFamily="34" charset="0"/>
+                <a:ea typeface="Amazon Ember" panose="020B0603020204020204" pitchFamily="34" charset="0"/>
+                <a:cs typeface="Arial" panose="020B0604020202020204" pitchFamily="34" charset="0"/>
+              </a:rPr>
+              <a:t>Module Metadata</a:t>
+            </a:r>
+          </a:p>
+        </p:txBody>
+      </p:sp>
+      <p:sp>
+        <p:nvSpPr>
+          <p:cNvPr id="177" name="TextBox 23">
+            <a:extLst>
+              <a:ext uri="{FF2B5EF4-FFF2-40B4-BE49-F238E27FC236}">
+                <a16:creationId xmlns:a16="http://schemas.microsoft.com/office/drawing/2014/main" id="{E987D085-4FC4-4E40-B64C-EE4C1E254109}"/>
+              </a:ext>
+            </a:extLst>
+          </p:cNvPr>
+          <p:cNvSpPr txBox="1">
+            <a:spLocks noChangeArrowheads="1"/>
+          </p:cNvSpPr>
+          <p:nvPr/>
+        </p:nvSpPr>
+        <p:spPr bwMode="auto">
+          <a:xfrm>
+            <a:off x="10234274" y="5458757"/>
+            <a:ext cx="1562486" cy="738664"/>
+          </a:xfrm>
+          <a:prstGeom prst="rect">
+            <a:avLst/>
+          </a:prstGeom>
+          <a:noFill/>
+          <a:ln>
+            <a:noFill/>
+          </a:ln>
+          <a:extLst>
+            <a:ext uri="{909E8E84-426E-40DD-AFC4-6F175D3DCCD1}">
+              <a14:hiddenFill xmlns:a14="http://schemas.microsoft.com/office/drawing/2010/main">
+                <a:solidFill>
+                  <a:srgbClr val="FFFFFF"/>
+                </a:solidFill>
+              </a14:hiddenFill>
+            </a:ext>
+            <a:ext uri="{91240B29-F687-4F45-9708-019B960494DF}">
+              <a14:hiddenLine xmlns:a14="http://schemas.microsoft.com/office/drawing/2010/main" w="9525">
+                <a:solidFill>
+                  <a:srgbClr val="000000"/>
+                </a:solidFill>
+                <a:miter lim="800000"/>
+                <a:headEnd/>
+                <a:tailEnd/>
+              </a14:hiddenLine>
+            </a:ext>
+          </a:extLst>
+        </p:spPr>
+        <p:txBody>
+          <a:bodyPr wrap="square">
+            <a:spAutoFit/>
+          </a:bodyPr>
+          <a:lstStyle>
+            <a:lvl1pPr>
+              <a:defRPr>
+                <a:solidFill>
+                  <a:schemeClr val="tx1"/>
+                </a:solidFill>
+                <a:latin typeface="Calibri" panose="020F0502020204030204" pitchFamily="34" charset="0"/>
+              </a:defRPr>
+            </a:lvl1pPr>
+            <a:lvl2pPr marL="742950" indent="-285750">
+              <a:defRPr>
+                <a:solidFill>
+                  <a:schemeClr val="tx1"/>
+                </a:solidFill>
+                <a:latin typeface="Calibri" panose="020F0502020204030204" pitchFamily="34" charset="0"/>
+              </a:defRPr>
+            </a:lvl2pPr>
+            <a:lvl3pPr marL="1143000" indent="-228600">
+              <a:defRPr>
+                <a:solidFill>
+                  <a:schemeClr val="tx1"/>
+                </a:solidFill>
+                <a:latin typeface="Calibri" panose="020F0502020204030204" pitchFamily="34" charset="0"/>
+              </a:defRPr>
+            </a:lvl3pPr>
+            <a:lvl4pPr marL="1600200" indent="-228600">
+              <a:defRPr>
+                <a:solidFill>
+                  <a:schemeClr val="tx1"/>
+                </a:solidFill>
+                <a:latin typeface="Calibri" panose="020F0502020204030204" pitchFamily="34" charset="0"/>
+              </a:defRPr>
+            </a:lvl4pPr>
+            <a:lvl5pPr marL="2057400" indent="-228600">
+              <a:defRPr>
+                <a:solidFill>
+                  <a:schemeClr val="tx1"/>
+                </a:solidFill>
+                <a:latin typeface="Calibri" panose="020F0502020204030204" pitchFamily="34" charset="0"/>
+              </a:defRPr>
+            </a:lvl5pPr>
+            <a:lvl6pPr marL="2514600" indent="-228600" eaLnBrk="0" fontAlgn="base" hangingPunct="0">
+              <a:spcBef>
+                <a:spcPct val="0"/>
+              </a:spcBef>
+              <a:spcAft>
+                <a:spcPct val="0"/>
+              </a:spcAft>
+              <a:defRPr>
+                <a:solidFill>
+                  <a:schemeClr val="tx1"/>
+                </a:solidFill>
+                <a:latin typeface="Calibri" panose="020F0502020204030204" pitchFamily="34" charset="0"/>
+              </a:defRPr>
+            </a:lvl6pPr>
+            <a:lvl7pPr marL="2971800" indent="-228600" eaLnBrk="0" fontAlgn="base" hangingPunct="0">
+              <a:spcBef>
+                <a:spcPct val="0"/>
+              </a:spcBef>
+              <a:spcAft>
+                <a:spcPct val="0"/>
+              </a:spcAft>
+              <a:defRPr>
+                <a:solidFill>
+                  <a:schemeClr val="tx1"/>
+                </a:solidFill>
+                <a:latin typeface="Calibri" panose="020F0502020204030204" pitchFamily="34" charset="0"/>
+              </a:defRPr>
+            </a:lvl7pPr>
+            <a:lvl8pPr marL="3429000" indent="-228600" eaLnBrk="0" fontAlgn="base" hangingPunct="0">
+              <a:spcBef>
+                <a:spcPct val="0"/>
+              </a:spcBef>
+              <a:spcAft>
+                <a:spcPct val="0"/>
+              </a:spcAft>
+              <a:defRPr>
+                <a:solidFill>
+                  <a:schemeClr val="tx1"/>
+                </a:solidFill>
+                <a:latin typeface="Calibri" panose="020F0502020204030204" pitchFamily="34" charset="0"/>
+              </a:defRPr>
+            </a:lvl8pPr>
+            <a:lvl9pPr marL="3886200" indent="-228600" eaLnBrk="0" fontAlgn="base" hangingPunct="0">
+              <a:spcBef>
+                <a:spcPct val="0"/>
+              </a:spcBef>
+              <a:spcAft>
+                <a:spcPct val="0"/>
+              </a:spcAft>
+              <a:defRPr>
+                <a:solidFill>
+                  <a:schemeClr val="tx1"/>
+                </a:solidFill>
+                <a:latin typeface="Calibri" panose="020F0502020204030204" pitchFamily="34" charset="0"/>
+              </a:defRPr>
+            </a:lvl9pPr>
+          </a:lstStyle>
+          <a:p>
+            <a:pPr algn="ctr" eaLnBrk="1" hangingPunct="1"/>
+            <a:r>
+              <a:rPr lang="en-US" altLang="en-US" sz="1400" dirty="0">
+                <a:latin typeface="Arial" panose="020B0604020202020204" pitchFamily="34" charset="0"/>
+                <a:ea typeface="Amazon Ember" panose="020B0603020204020204" pitchFamily="34" charset="0"/>
+                <a:cs typeface="Arial" panose="020B0604020202020204" pitchFamily="34" charset="0"/>
+              </a:rPr>
+              <a:t>AWS Resources as Defined in Module Code</a:t>
+            </a:r>
+          </a:p>
+        </p:txBody>
+      </p:sp>
+      <p:pic>
+        <p:nvPicPr>
+          <p:cNvPr id="178" name="Graphic 49">
+            <a:extLst>
+              <a:ext uri="{FF2B5EF4-FFF2-40B4-BE49-F238E27FC236}">
+                <a16:creationId xmlns:a16="http://schemas.microsoft.com/office/drawing/2014/main" id="{BCB9D6FA-7A1C-1C4F-916B-AAC3DFFA0E12}"/>
+              </a:ext>
+            </a:extLst>
+          </p:cNvPr>
+          <p:cNvPicPr>
+            <a:picLocks noChangeAspect="1" noChangeArrowheads="1"/>
+          </p:cNvPicPr>
+          <p:nvPr/>
+        </p:nvPicPr>
+        <p:blipFill>
+          <a:blip r:embed="rId7">
+            <a:extLst>
+              <a:ext uri="{28A0092B-C50C-407E-A947-70E740481C1C}">
+                <a14:useLocalDpi xmlns:a14="http://schemas.microsoft.com/office/drawing/2010/main" val="0"/>
+              </a:ext>
+            </a:extLst>
+          </a:blip>
+          <a:srcRect/>
+          <a:stretch>
+            <a:fillRect/>
+          </a:stretch>
+        </p:blipFill>
+        <p:spPr bwMode="auto">
+          <a:xfrm>
+            <a:off x="8869319" y="4826413"/>
+            <a:ext cx="620405" cy="620405"/>
+          </a:xfrm>
+          <a:prstGeom prst="rect">
+            <a:avLst/>
+          </a:prstGeom>
+          <a:noFill/>
+          <a:ln>
+            <a:noFill/>
+          </a:ln>
+          <a:extLst>
+            <a:ext uri="{909E8E84-426E-40DD-AFC4-6F175D3DCCD1}">
+              <a14:hiddenFill xmlns:a14="http://schemas.microsoft.com/office/drawing/2010/main">
+                <a:solidFill>
+                  <a:srgbClr val="FFFFFF"/>
+                </a:solidFill>
+              </a14:hiddenFill>
+            </a:ext>
+            <a:ext uri="{91240B29-F687-4F45-9708-019B960494DF}">
+              <a14:hiddenLine xmlns:a14="http://schemas.microsoft.com/office/drawing/2010/main" w="9525">
+                <a:solidFill>
+                  <a:srgbClr val="000000"/>
+                </a:solidFill>
+                <a:miter lim="800000"/>
+                <a:headEnd/>
+                <a:tailEnd/>
+              </a14:hiddenLine>
+            </a:ext>
+          </a:extLst>
+        </p:spPr>
+      </p:pic>
+      <p:cxnSp>
+        <p:nvCxnSpPr>
+          <p:cNvPr id="179" name="Straight Arrow Connector 178">
+            <a:extLst>
+              <a:ext uri="{FF2B5EF4-FFF2-40B4-BE49-F238E27FC236}">
+                <a16:creationId xmlns:a16="http://schemas.microsoft.com/office/drawing/2014/main" id="{51701C33-C91B-EB44-BD3B-956D8B5D313A}"/>
+              </a:ext>
+            </a:extLst>
+          </p:cNvPr>
+          <p:cNvCxnSpPr>
+            <a:cxnSpLocks/>
+          </p:cNvCxnSpPr>
+          <p:nvPr/>
+        </p:nvCxnSpPr>
+        <p:spPr>
+          <a:xfrm>
+            <a:off x="7994023" y="5166281"/>
+            <a:ext cx="786085" cy="1"/>
+          </a:xfrm>
+          <a:prstGeom prst="straightConnector1">
+            <a:avLst/>
+          </a:prstGeom>
+          <a:ln w="12700">
+            <a:solidFill>
+              <a:srgbClr val="8FA7C4"/>
+            </a:solidFill>
+            <a:headEnd type="none" w="med" len="sm"/>
+            <a:tailEnd type="arrow" w="med" len="sm"/>
+          </a:ln>
+        </p:spPr>
+        <p:style>
+          <a:lnRef idx="1">
+            <a:schemeClr val="accent1"/>
+          </a:lnRef>
+          <a:fillRef idx="0">
+            <a:schemeClr val="accent1"/>
+          </a:fillRef>
+          <a:effectRef idx="0">
+            <a:schemeClr val="accent1"/>
+          </a:effectRef>
+          <a:fontRef idx="minor">
+            <a:schemeClr val="tx1"/>
+          </a:fontRef>
+        </p:style>
+      </p:cxnSp>
+      <p:cxnSp>
+        <p:nvCxnSpPr>
+          <p:cNvPr id="180" name="Straight Arrow Connector 179">
+            <a:extLst>
+              <a:ext uri="{FF2B5EF4-FFF2-40B4-BE49-F238E27FC236}">
+                <a16:creationId xmlns:a16="http://schemas.microsoft.com/office/drawing/2014/main" id="{205320F3-34C1-3D47-8852-E16FE8FDA507}"/>
+              </a:ext>
+            </a:extLst>
+          </p:cNvPr>
+          <p:cNvCxnSpPr>
+            <a:cxnSpLocks/>
+          </p:cNvCxnSpPr>
+          <p:nvPr/>
+        </p:nvCxnSpPr>
+        <p:spPr>
+          <a:xfrm flipV="1">
+            <a:off x="9645630" y="5160452"/>
+            <a:ext cx="1095022" cy="20788"/>
+          </a:xfrm>
+          <a:prstGeom prst="straightConnector1">
+            <a:avLst/>
+          </a:prstGeom>
+          <a:ln w="12700">
+            <a:solidFill>
+              <a:srgbClr val="8FA7C4"/>
+            </a:solidFill>
+            <a:headEnd type="none" w="med" len="sm"/>
+            <a:tailEnd type="arrow" w="med" len="sm"/>
+          </a:ln>
+        </p:spPr>
+        <p:style>
+          <a:lnRef idx="1">
+            <a:schemeClr val="accent1"/>
+          </a:lnRef>
+          <a:fillRef idx="0">
+            <a:schemeClr val="accent1"/>
+          </a:fillRef>
+          <a:effectRef idx="0">
+            <a:schemeClr val="accent1"/>
+          </a:effectRef>
+          <a:fontRef idx="minor">
+            <a:schemeClr val="tx1"/>
+          </a:fontRef>
+        </p:style>
+      </p:cxnSp>
+      <p:sp>
+        <p:nvSpPr>
+          <p:cNvPr id="181" name="Oval 180">
+            <a:extLst>
+              <a:ext uri="{FF2B5EF4-FFF2-40B4-BE49-F238E27FC236}">
+                <a16:creationId xmlns:a16="http://schemas.microsoft.com/office/drawing/2014/main" id="{A7BF02BA-F637-6742-998B-399337C126CA}"/>
+              </a:ext>
+            </a:extLst>
+          </p:cNvPr>
+          <p:cNvSpPr/>
+          <p:nvPr/>
+        </p:nvSpPr>
+        <p:spPr>
+          <a:xfrm>
+            <a:off x="5044338" y="5941626"/>
+            <a:ext cx="279785" cy="271815"/>
+          </a:xfrm>
+          <a:prstGeom prst="ellipse">
+            <a:avLst/>
+          </a:prstGeom>
+          <a:solidFill>
+            <a:srgbClr val="00D200"/>
+          </a:solidFill>
+        </p:spPr>
+        <p:style>
+          <a:lnRef idx="2">
+            <a:schemeClr val="accent1">
+              <a:shade val="50000"/>
+            </a:schemeClr>
+          </a:lnRef>
+          <a:fillRef idx="1">
+            <a:schemeClr val="accent1"/>
+          </a:fillRef>
+          <a:effectRef idx="0">
+            <a:schemeClr val="accent1"/>
+          </a:effectRef>
+          <a:fontRef idx="minor">
+            <a:schemeClr val="lt1"/>
+          </a:fontRef>
+        </p:style>
+        <p:txBody>
+          <a:bodyPr rtlCol="0" anchor="ctr"/>
+          <a:lstStyle/>
+          <a:p>
+            <a:pPr algn="ctr"/>
+            <a:r>
+              <a:rPr lang="en-US" dirty="0">
+                <a:solidFill>
+                  <a:schemeClr val="tx1"/>
+                </a:solidFill>
+              </a:rPr>
+              <a:t>3</a:t>
+            </a:r>
+          </a:p>
+        </p:txBody>
+      </p:sp>
+      <p:sp>
+        <p:nvSpPr>
+          <p:cNvPr id="182" name="Oval 181">
+            <a:extLst>
+              <a:ext uri="{FF2B5EF4-FFF2-40B4-BE49-F238E27FC236}">
+                <a16:creationId xmlns:a16="http://schemas.microsoft.com/office/drawing/2014/main" id="{8B771853-A7F2-634A-B9CC-A3FE6BA40942}"/>
+              </a:ext>
+            </a:extLst>
+          </p:cNvPr>
+          <p:cNvSpPr/>
+          <p:nvPr/>
+        </p:nvSpPr>
+        <p:spPr>
+          <a:xfrm>
+            <a:off x="7062211" y="4234296"/>
+            <a:ext cx="279785" cy="271815"/>
+          </a:xfrm>
+          <a:prstGeom prst="ellipse">
+            <a:avLst/>
+          </a:prstGeom>
+          <a:solidFill>
+            <a:srgbClr val="00D200"/>
+          </a:solidFill>
+        </p:spPr>
+        <p:style>
+          <a:lnRef idx="2">
+            <a:schemeClr val="accent1">
+              <a:shade val="50000"/>
+            </a:schemeClr>
+          </a:lnRef>
+          <a:fillRef idx="1">
+            <a:schemeClr val="accent1"/>
+          </a:fillRef>
+          <a:effectRef idx="0">
+            <a:schemeClr val="accent1"/>
+          </a:effectRef>
+          <a:fontRef idx="minor">
+            <a:schemeClr val="lt1"/>
+          </a:fontRef>
+        </p:style>
+        <p:txBody>
+          <a:bodyPr rtlCol="0" anchor="ctr"/>
+          <a:lstStyle/>
+          <a:p>
+            <a:pPr algn="ctr"/>
+            <a:r>
+              <a:rPr lang="en-US" dirty="0">
+                <a:solidFill>
+                  <a:schemeClr val="tx1"/>
+                </a:solidFill>
+              </a:rPr>
+              <a:t>4</a:t>
+            </a:r>
+          </a:p>
+        </p:txBody>
+      </p:sp>
+      <p:sp>
+        <p:nvSpPr>
+          <p:cNvPr id="183" name="Oval 182">
+            <a:extLst>
+              <a:ext uri="{FF2B5EF4-FFF2-40B4-BE49-F238E27FC236}">
+                <a16:creationId xmlns:a16="http://schemas.microsoft.com/office/drawing/2014/main" id="{C00CCE83-DAEB-3043-B53E-DAFFCCE43330}"/>
+              </a:ext>
+            </a:extLst>
+          </p:cNvPr>
+          <p:cNvSpPr/>
+          <p:nvPr/>
+        </p:nvSpPr>
+        <p:spPr>
+          <a:xfrm>
+            <a:off x="9710848" y="4840497"/>
+            <a:ext cx="279785" cy="271815"/>
+          </a:xfrm>
+          <a:prstGeom prst="ellipse">
+            <a:avLst/>
+          </a:prstGeom>
+          <a:solidFill>
+            <a:srgbClr val="00D200"/>
+          </a:solidFill>
+        </p:spPr>
+        <p:style>
+          <a:lnRef idx="2">
+            <a:schemeClr val="accent1">
+              <a:shade val="50000"/>
+            </a:schemeClr>
+          </a:lnRef>
+          <a:fillRef idx="1">
+            <a:schemeClr val="accent1"/>
+          </a:fillRef>
+          <a:effectRef idx="0">
+            <a:schemeClr val="accent1"/>
+          </a:effectRef>
+          <a:fontRef idx="minor">
+            <a:schemeClr val="lt1"/>
+          </a:fontRef>
+        </p:style>
+        <p:txBody>
+          <a:bodyPr rtlCol="0" anchor="ctr"/>
+          <a:lstStyle/>
+          <a:p>
+            <a:pPr algn="ctr"/>
+            <a:r>
+              <a:rPr lang="en-US" dirty="0">
+                <a:solidFill>
+                  <a:schemeClr val="tx1"/>
+                </a:solidFill>
+              </a:rPr>
+              <a:t>5</a:t>
+            </a:r>
+          </a:p>
+        </p:txBody>
+      </p:sp>
+    </p:spTree>
+    <p:extLst>
+      <p:ext uri="{BB962C8B-B14F-4D97-AF65-F5344CB8AC3E}">
+        <p14:creationId xmlns:p14="http://schemas.microsoft.com/office/powerpoint/2010/main" val="935178956"/>
+      </p:ext>
+    </p:extLst>
+  </p:cSld>
+  <p:clrMapOvr>
+    <a:masterClrMapping/>
+  </p:clrMapOvr>
+</p:sld>
+</file>
+
+<file path=ppt/slides/slide3.xml><?xml version="1.0" encoding="utf-8"?>
+<p:sld xmlns:a="http://schemas.openxmlformats.org/drawingml/2006/main" xmlns:r="http://schemas.openxmlformats.org/officeDocument/2006/relationships" xmlns:p="http://schemas.openxmlformats.org/presentationml/2006/main">
+  <p:cSld>
+    <p:spTree>
+      <p:nvGrpSpPr>
+        <p:cNvPr id="1" name=""/>
+        <p:cNvGrpSpPr/>
+        <p:nvPr/>
+      </p:nvGrpSpPr>
+      <p:grpSpPr>
+        <a:xfrm>
+          <a:off x="0" y="0"/>
+          <a:ext cx="0" cy="0"/>
+          <a:chOff x="0" y="0"/>
+          <a:chExt cx="0" cy="0"/>
+        </a:xfrm>
+      </p:grpSpPr>
       <p:sp>
         <p:nvSpPr>
           <p:cNvPr id="65537" name="Footer Placeholder 1">
@@ -9012,7 +12814,7 @@
                   <a:spcPct val="0"/>
                 </a:spcAft>
               </a:pPr>
-              <a:t>2</a:t>
+              <a:t>3</a:t>
             </a:fld>
             <a:endParaRPr lang="en-US" altLang="en-US" dirty="0">
               <a:solidFill>
@@ -11121,7 +14923,7 @@
 </p:sld>
 </file>
 
-<file path=ppt/slides/slide3.xml><?xml version="1.0" encoding="utf-8"?>
+<file path=ppt/slides/slide4.xml><?xml version="1.0" encoding="utf-8"?>
 <p:sld xmlns:a="http://schemas.openxmlformats.org/drawingml/2006/main" xmlns:r="http://schemas.openxmlformats.org/officeDocument/2006/relationships" xmlns:p="http://schemas.openxmlformats.org/presentationml/2006/main">
   <p:cSld>
     <p:spTree>
@@ -11467,7 +15269,7 @@
                   <a:spcPct val="0"/>
                 </a:spcAft>
               </a:pPr>
-              <a:t>3</a:t>
+              <a:t>4</a:t>
             </a:fld>
             <a:endParaRPr lang="en-US" altLang="en-US" dirty="0">
               <a:solidFill>

--- a/docs/source/_static/seedfarmer_diagrams.pptx
+++ b/docs/source/_static/seedfarmer_diagrams.pptx
@@ -262,7 +262,7 @@
           <a:p>
             <a:fld id="{998E45E6-B312-6A49-8978-08F051C8B1F2}" type="datetimeFigureOut">
               <a:rPr lang="en-US" smtClean="0"/>
-              <a:t>9/23/22</a:t>
+              <a:t>5/14/24</a:t>
             </a:fld>
             <a:endParaRPr lang="en-US"/>
           </a:p>
@@ -460,7 +460,7 @@
           <a:p>
             <a:fld id="{998E45E6-B312-6A49-8978-08F051C8B1F2}" type="datetimeFigureOut">
               <a:rPr lang="en-US" smtClean="0"/>
-              <a:t>9/23/22</a:t>
+              <a:t>5/14/24</a:t>
             </a:fld>
             <a:endParaRPr lang="en-US"/>
           </a:p>
@@ -668,7 +668,7 @@
           <a:p>
             <a:fld id="{998E45E6-B312-6A49-8978-08F051C8B1F2}" type="datetimeFigureOut">
               <a:rPr lang="en-US" smtClean="0"/>
-              <a:t>9/23/22</a:t>
+              <a:t>5/14/24</a:t>
             </a:fld>
             <a:endParaRPr lang="en-US"/>
           </a:p>
@@ -1107,7 +1107,7 @@
           <a:p>
             <a:fld id="{998E45E6-B312-6A49-8978-08F051C8B1F2}" type="datetimeFigureOut">
               <a:rPr lang="en-US" smtClean="0"/>
-              <a:t>9/23/22</a:t>
+              <a:t>5/14/24</a:t>
             </a:fld>
             <a:endParaRPr lang="en-US"/>
           </a:p>
@@ -1382,7 +1382,7 @@
           <a:p>
             <a:fld id="{998E45E6-B312-6A49-8978-08F051C8B1F2}" type="datetimeFigureOut">
               <a:rPr lang="en-US" smtClean="0"/>
-              <a:t>9/23/22</a:t>
+              <a:t>5/14/24</a:t>
             </a:fld>
             <a:endParaRPr lang="en-US"/>
           </a:p>
@@ -1647,7 +1647,7 @@
           <a:p>
             <a:fld id="{998E45E6-B312-6A49-8978-08F051C8B1F2}" type="datetimeFigureOut">
               <a:rPr lang="en-US" smtClean="0"/>
-              <a:t>9/23/22</a:t>
+              <a:t>5/14/24</a:t>
             </a:fld>
             <a:endParaRPr lang="en-US"/>
           </a:p>
@@ -2059,7 +2059,7 @@
           <a:p>
             <a:fld id="{998E45E6-B312-6A49-8978-08F051C8B1F2}" type="datetimeFigureOut">
               <a:rPr lang="en-US" smtClean="0"/>
-              <a:t>9/23/22</a:t>
+              <a:t>5/14/24</a:t>
             </a:fld>
             <a:endParaRPr lang="en-US"/>
           </a:p>
@@ -2200,7 +2200,7 @@
           <a:p>
             <a:fld id="{998E45E6-B312-6A49-8978-08F051C8B1F2}" type="datetimeFigureOut">
               <a:rPr lang="en-US" smtClean="0"/>
-              <a:t>9/23/22</a:t>
+              <a:t>5/14/24</a:t>
             </a:fld>
             <a:endParaRPr lang="en-US"/>
           </a:p>
@@ -2313,7 +2313,7 @@
           <a:p>
             <a:fld id="{998E45E6-B312-6A49-8978-08F051C8B1F2}" type="datetimeFigureOut">
               <a:rPr lang="en-US" smtClean="0"/>
-              <a:t>9/23/22</a:t>
+              <a:t>5/14/24</a:t>
             </a:fld>
             <a:endParaRPr lang="en-US"/>
           </a:p>
@@ -2624,7 +2624,7 @@
           <a:p>
             <a:fld id="{998E45E6-B312-6A49-8978-08F051C8B1F2}" type="datetimeFigureOut">
               <a:rPr lang="en-US" smtClean="0"/>
-              <a:t>9/23/22</a:t>
+              <a:t>5/14/24</a:t>
             </a:fld>
             <a:endParaRPr lang="en-US"/>
           </a:p>
@@ -2912,7 +2912,7 @@
           <a:p>
             <a:fld id="{998E45E6-B312-6A49-8978-08F051C8B1F2}" type="datetimeFigureOut">
               <a:rPr lang="en-US" smtClean="0"/>
-              <a:t>9/23/22</a:t>
+              <a:t>5/14/24</a:t>
             </a:fld>
             <a:endParaRPr lang="en-US"/>
           </a:p>
@@ -3153,7 +3153,7 @@
           <a:p>
             <a:fld id="{998E45E6-B312-6A49-8978-08F051C8B1F2}" type="datetimeFigureOut">
               <a:rPr lang="en-US" smtClean="0"/>
-              <a:t>9/23/22</a:t>
+              <a:t>5/14/24</a:t>
             </a:fld>
             <a:endParaRPr lang="en-US"/>
           </a:p>
@@ -5982,7 +5982,7 @@
           <a:p>
             <a:pPr algn="ctr" eaLnBrk="1" hangingPunct="1"/>
             <a:r>
-              <a:rPr lang="en-US" altLang="en-US" dirty="0" err="1">
+              <a:rPr lang="en-US" altLang="en-US" dirty="0">
                 <a:solidFill>
                   <a:srgbClr val="000000"/>
                 </a:solidFill>
@@ -5991,13 +5991,6 @@
               </a:rPr>
               <a:t>SeedFarmer</a:t>
             </a:r>
-            <a:endParaRPr lang="en-US" altLang="en-US" dirty="0">
-              <a:solidFill>
-                <a:srgbClr val="000000"/>
-              </a:solidFill>
-              <a:latin typeface="Arial" panose="020B0604020202020204" pitchFamily="34" charset="0"/>
-              <a:cs typeface="Arial" panose="020B0604020202020204" pitchFamily="34" charset="0"/>
-            </a:endParaRPr>
           </a:p>
         </p:txBody>
       </p:sp>
@@ -6825,25 +6818,8 @@
                 <a:latin typeface="Arial" panose="020B0604020202020204" pitchFamily="34" charset="0"/>
                 <a:cs typeface="Arial" panose="020B0604020202020204" pitchFamily="34" charset="0"/>
               </a:rPr>
-              <a:t>AWS </a:t>
+              <a:t>AWS CodeSeeder</a:t>
             </a:r>
-            <a:r>
-              <a:rPr lang="en-US" altLang="en-US" dirty="0" err="1">
-                <a:solidFill>
-                  <a:srgbClr val="000000"/>
-                </a:solidFill>
-                <a:latin typeface="Arial" panose="020B0604020202020204" pitchFamily="34" charset="0"/>
-                <a:cs typeface="Arial" panose="020B0604020202020204" pitchFamily="34" charset="0"/>
-              </a:rPr>
-              <a:t>CodeSeeder</a:t>
-            </a:r>
-            <a:endParaRPr lang="en-US" altLang="en-US" dirty="0">
-              <a:solidFill>
-                <a:srgbClr val="000000"/>
-              </a:solidFill>
-              <a:latin typeface="Arial" panose="020B0604020202020204" pitchFamily="34" charset="0"/>
-              <a:cs typeface="Arial" panose="020B0604020202020204" pitchFamily="34" charset="0"/>
-            </a:endParaRPr>
           </a:p>
         </p:txBody>
       </p:sp>
@@ -7422,8 +7398,8 @@
         </p:nvSpPr>
         <p:spPr>
           <a:xfrm>
-            <a:off x="5204908" y="4486519"/>
-            <a:ext cx="5846241" cy="1827275"/>
+            <a:off x="4157536" y="4486519"/>
+            <a:ext cx="6893613" cy="1827275"/>
           </a:xfrm>
           <a:prstGeom prst="rect">
             <a:avLst/>
@@ -8650,6 +8626,225 @@
                 </a:solidFill>
               </a:rPr>
               <a:t>2</a:t>
+            </a:r>
+          </a:p>
+        </p:txBody>
+      </p:sp>
+      <p:pic>
+        <p:nvPicPr>
+          <p:cNvPr id="2" name="Graphic 8" descr="Amazon Simple Storage Service (Amazon S3) service icon.">
+            <a:extLst>
+              <a:ext uri="{FF2B5EF4-FFF2-40B4-BE49-F238E27FC236}">
+                <a16:creationId xmlns:a16="http://schemas.microsoft.com/office/drawing/2014/main" id="{F57351E8-082F-B715-A083-471CF8CB9634}"/>
+              </a:ext>
+            </a:extLst>
+          </p:cNvPr>
+          <p:cNvPicPr>
+            <a:picLocks noChangeAspect="1" noChangeArrowheads="1"/>
+          </p:cNvPicPr>
+          <p:nvPr/>
+        </p:nvPicPr>
+        <p:blipFill>
+          <a:blip r:embed="rId14">
+            <a:extLst>
+              <a:ext uri="{96DAC541-7B7A-43D3-8B79-37D633B846F1}">
+                <asvg:svgBlip xmlns:asvg="http://schemas.microsoft.com/office/drawing/2016/SVG/main" r:embed="rId15"/>
+              </a:ext>
+            </a:extLst>
+          </a:blip>
+          <a:srcRect/>
+          <a:stretch/>
+        </p:blipFill>
+        <p:spPr bwMode="auto">
+          <a:xfrm>
+            <a:off x="4397602" y="4605293"/>
+            <a:ext cx="461416" cy="461416"/>
+          </a:xfrm>
+          <a:prstGeom prst="rect">
+            <a:avLst/>
+          </a:prstGeom>
+          <a:noFill/>
+          <a:ln>
+            <a:noFill/>
+          </a:ln>
+          <a:extLst>
+            <a:ext uri="{909E8E84-426E-40DD-AFC4-6F175D3DCCD1}">
+              <a14:hiddenFill xmlns:a14="http://schemas.microsoft.com/office/drawing/2010/main">
+                <a:solidFill>
+                  <a:srgbClr val="FFFFFF"/>
+                </a:solidFill>
+              </a14:hiddenFill>
+            </a:ext>
+            <a:ext uri="{91240B29-F687-4F45-9708-019B960494DF}">
+              <a14:hiddenLine xmlns:a14="http://schemas.microsoft.com/office/drawing/2010/main" w="9525">
+                <a:solidFill>
+                  <a:srgbClr val="000000"/>
+                </a:solidFill>
+                <a:miter lim="800000"/>
+                <a:headEnd/>
+                <a:tailEnd/>
+              </a14:hiddenLine>
+            </a:ext>
+          </a:extLst>
+        </p:spPr>
+      </p:pic>
+      <p:sp>
+        <p:nvSpPr>
+          <p:cNvPr id="19" name="TextBox 12">
+            <a:extLst>
+              <a:ext uri="{FF2B5EF4-FFF2-40B4-BE49-F238E27FC236}">
+                <a16:creationId xmlns:a16="http://schemas.microsoft.com/office/drawing/2014/main" id="{AC1A855C-FCDC-4BDF-ADC1-98D89D95F76F}"/>
+              </a:ext>
+            </a:extLst>
+          </p:cNvPr>
+          <p:cNvSpPr txBox="1">
+            <a:spLocks noChangeArrowheads="1"/>
+          </p:cNvSpPr>
+          <p:nvPr/>
+        </p:nvSpPr>
+        <p:spPr bwMode="auto">
+          <a:xfrm>
+            <a:off x="4315131" y="5201712"/>
+            <a:ext cx="653015" cy="369332"/>
+          </a:xfrm>
+          <a:prstGeom prst="rect">
+            <a:avLst/>
+          </a:prstGeom>
+          <a:noFill/>
+          <a:ln>
+            <a:noFill/>
+          </a:ln>
+          <a:extLst>
+            <a:ext uri="{909E8E84-426E-40DD-AFC4-6F175D3DCCD1}">
+              <a14:hiddenFill xmlns:a14="http://schemas.microsoft.com/office/drawing/2010/main">
+                <a:solidFill>
+                  <a:srgbClr val="FFFFFF"/>
+                </a:solidFill>
+              </a14:hiddenFill>
+            </a:ext>
+            <a:ext uri="{91240B29-F687-4F45-9708-019B960494DF}">
+              <a14:hiddenLine xmlns:a14="http://schemas.microsoft.com/office/drawing/2010/main" w="9525">
+                <a:solidFill>
+                  <a:srgbClr val="000000"/>
+                </a:solidFill>
+                <a:miter lim="800000"/>
+                <a:headEnd/>
+                <a:tailEnd/>
+              </a14:hiddenLine>
+            </a:ext>
+          </a:extLst>
+        </p:spPr>
+        <p:txBody>
+          <a:bodyPr wrap="square">
+            <a:spAutoFit/>
+          </a:bodyPr>
+          <a:lstStyle>
+            <a:lvl1pPr>
+              <a:defRPr>
+                <a:solidFill>
+                  <a:schemeClr val="tx1"/>
+                </a:solidFill>
+                <a:latin typeface="Calibri" panose="020F0502020204030204" pitchFamily="34" charset="0"/>
+              </a:defRPr>
+            </a:lvl1pPr>
+            <a:lvl2pPr marL="742950" indent="-285750">
+              <a:defRPr>
+                <a:solidFill>
+                  <a:schemeClr val="tx1"/>
+                </a:solidFill>
+                <a:latin typeface="Calibri" panose="020F0502020204030204" pitchFamily="34" charset="0"/>
+              </a:defRPr>
+            </a:lvl2pPr>
+            <a:lvl3pPr marL="1143000" indent="-228600">
+              <a:defRPr>
+                <a:solidFill>
+                  <a:schemeClr val="tx1"/>
+                </a:solidFill>
+                <a:latin typeface="Calibri" panose="020F0502020204030204" pitchFamily="34" charset="0"/>
+              </a:defRPr>
+            </a:lvl3pPr>
+            <a:lvl4pPr marL="1600200" indent="-228600">
+              <a:defRPr>
+                <a:solidFill>
+                  <a:schemeClr val="tx1"/>
+                </a:solidFill>
+                <a:latin typeface="Calibri" panose="020F0502020204030204" pitchFamily="34" charset="0"/>
+              </a:defRPr>
+            </a:lvl4pPr>
+            <a:lvl5pPr marL="2057400" indent="-228600">
+              <a:defRPr>
+                <a:solidFill>
+                  <a:schemeClr val="tx1"/>
+                </a:solidFill>
+                <a:latin typeface="Calibri" panose="020F0502020204030204" pitchFamily="34" charset="0"/>
+              </a:defRPr>
+            </a:lvl5pPr>
+            <a:lvl6pPr marL="2514600" indent="-228600" eaLnBrk="0" fontAlgn="base" hangingPunct="0">
+              <a:spcBef>
+                <a:spcPct val="0"/>
+              </a:spcBef>
+              <a:spcAft>
+                <a:spcPct val="0"/>
+              </a:spcAft>
+              <a:defRPr>
+                <a:solidFill>
+                  <a:schemeClr val="tx1"/>
+                </a:solidFill>
+                <a:latin typeface="Calibri" panose="020F0502020204030204" pitchFamily="34" charset="0"/>
+              </a:defRPr>
+            </a:lvl6pPr>
+            <a:lvl7pPr marL="2971800" indent="-228600" eaLnBrk="0" fontAlgn="base" hangingPunct="0">
+              <a:spcBef>
+                <a:spcPct val="0"/>
+              </a:spcBef>
+              <a:spcAft>
+                <a:spcPct val="0"/>
+              </a:spcAft>
+              <a:defRPr>
+                <a:solidFill>
+                  <a:schemeClr val="tx1"/>
+                </a:solidFill>
+                <a:latin typeface="Calibri" panose="020F0502020204030204" pitchFamily="34" charset="0"/>
+              </a:defRPr>
+            </a:lvl7pPr>
+            <a:lvl8pPr marL="3429000" indent="-228600" eaLnBrk="0" fontAlgn="base" hangingPunct="0">
+              <a:spcBef>
+                <a:spcPct val="0"/>
+              </a:spcBef>
+              <a:spcAft>
+                <a:spcPct val="0"/>
+              </a:spcAft>
+              <a:defRPr>
+                <a:solidFill>
+                  <a:schemeClr val="tx1"/>
+                </a:solidFill>
+                <a:latin typeface="Calibri" panose="020F0502020204030204" pitchFamily="34" charset="0"/>
+              </a:defRPr>
+            </a:lvl8pPr>
+            <a:lvl9pPr marL="3886200" indent="-228600" eaLnBrk="0" fontAlgn="base" hangingPunct="0">
+              <a:spcBef>
+                <a:spcPct val="0"/>
+              </a:spcBef>
+              <a:spcAft>
+                <a:spcPct val="0"/>
+              </a:spcAft>
+              <a:defRPr>
+                <a:solidFill>
+                  <a:schemeClr val="tx1"/>
+                </a:solidFill>
+                <a:latin typeface="Calibri" panose="020F0502020204030204" pitchFamily="34" charset="0"/>
+              </a:defRPr>
+            </a:lvl9pPr>
+          </a:lstStyle>
+          <a:p>
+            <a:pPr algn="ctr" eaLnBrk="1" hangingPunct="1"/>
+            <a:r>
+              <a:rPr lang="en-US" altLang="en-US" dirty="0">
+                <a:latin typeface="Arial" panose="020B0604020202020204" pitchFamily="34" charset="0"/>
+                <a:ea typeface="Amazon Ember" panose="020B0603020204020204" pitchFamily="34" charset="0"/>
+                <a:cs typeface="Arial" panose="020B0604020202020204" pitchFamily="34" charset="0"/>
+              </a:rPr>
+              <a:t>S3</a:t>
             </a:r>
           </a:p>
         </p:txBody>
